--- a/php-fw8/MySQL lesson1.pptx
+++ b/php-fw8/MySQL lesson1.pptx
@@ -5,10 +5,10 @@
     <p:sldMasterId id="2147484484" r:id="rId1"/>
   </p:sldMasterIdLst>
   <p:notesMasterIdLst>
-    <p:notesMasterId r:id="rId48"/>
+    <p:notesMasterId r:id="rId43"/>
   </p:notesMasterIdLst>
   <p:handoutMasterIdLst>
-    <p:handoutMasterId r:id="rId49"/>
+    <p:handoutMasterId r:id="rId44"/>
   </p:handoutMasterIdLst>
   <p:sldIdLst>
     <p:sldId id="256" r:id="rId2"/>
@@ -30,33 +30,28 @@
     <p:sldId id="291" r:id="rId18"/>
     <p:sldId id="292" r:id="rId19"/>
     <p:sldId id="293" r:id="rId20"/>
-    <p:sldId id="294" r:id="rId21"/>
-    <p:sldId id="295" r:id="rId22"/>
-    <p:sldId id="296" r:id="rId23"/>
-    <p:sldId id="297" r:id="rId24"/>
-    <p:sldId id="298" r:id="rId25"/>
-    <p:sldId id="299" r:id="rId26"/>
-    <p:sldId id="300" r:id="rId27"/>
-    <p:sldId id="301" r:id="rId28"/>
-    <p:sldId id="302" r:id="rId29"/>
-    <p:sldId id="303" r:id="rId30"/>
-    <p:sldId id="304" r:id="rId31"/>
-    <p:sldId id="305" r:id="rId32"/>
-    <p:sldId id="306" r:id="rId33"/>
-    <p:sldId id="307" r:id="rId34"/>
-    <p:sldId id="308" r:id="rId35"/>
-    <p:sldId id="310" r:id="rId36"/>
-    <p:sldId id="318" r:id="rId37"/>
-    <p:sldId id="319" r:id="rId38"/>
-    <p:sldId id="309" r:id="rId39"/>
-    <p:sldId id="314" r:id="rId40"/>
-    <p:sldId id="311" r:id="rId41"/>
-    <p:sldId id="312" r:id="rId42"/>
-    <p:sldId id="313" r:id="rId43"/>
-    <p:sldId id="316" r:id="rId44"/>
-    <p:sldId id="317" r:id="rId45"/>
-    <p:sldId id="315" r:id="rId46"/>
-    <p:sldId id="269" r:id="rId47"/>
+    <p:sldId id="299" r:id="rId21"/>
+    <p:sldId id="300" r:id="rId22"/>
+    <p:sldId id="301" r:id="rId23"/>
+    <p:sldId id="302" r:id="rId24"/>
+    <p:sldId id="303" r:id="rId25"/>
+    <p:sldId id="304" r:id="rId26"/>
+    <p:sldId id="305" r:id="rId27"/>
+    <p:sldId id="306" r:id="rId28"/>
+    <p:sldId id="307" r:id="rId29"/>
+    <p:sldId id="308" r:id="rId30"/>
+    <p:sldId id="310" r:id="rId31"/>
+    <p:sldId id="318" r:id="rId32"/>
+    <p:sldId id="319" r:id="rId33"/>
+    <p:sldId id="309" r:id="rId34"/>
+    <p:sldId id="314" r:id="rId35"/>
+    <p:sldId id="311" r:id="rId36"/>
+    <p:sldId id="312" r:id="rId37"/>
+    <p:sldId id="313" r:id="rId38"/>
+    <p:sldId id="316" r:id="rId39"/>
+    <p:sldId id="317" r:id="rId40"/>
+    <p:sldId id="315" r:id="rId41"/>
+    <p:sldId id="269" r:id="rId42"/>
   </p:sldIdLst>
   <p:sldSz cx="9144000" cy="6858000" type="screen4x3"/>
   <p:notesSz cx="7099300" cy="10234613"/>
@@ -187,7 +182,7 @@
   </p:defaultTextStyle>
   <p:extLst>
     <p:ext uri="{EFAFB233-063F-42B5-8137-9DF3F51BA10A}">
-      <p15:sldGuideLst xmlns:p15="http://schemas.microsoft.com/office/powerpoint/2012/main">
+      <p15:sldGuideLst xmlns:p15="http://schemas.microsoft.com/office/powerpoint/2012/main" xmlns="">
         <p15:guide id="1" orient="horz" pos="2160">
           <p15:clr>
             <a:srgbClr val="A4A3A4"/>
@@ -201,7 +196,7 @@
       </p15:sldGuideLst>
     </p:ext>
     <p:ext uri="{2D200454-40CA-4A62-9FC3-DE9A4176ACB9}">
-      <p15:notesGuideLst xmlns:p15="http://schemas.microsoft.com/office/powerpoint/2012/main">
+      <p15:notesGuideLst xmlns:p15="http://schemas.microsoft.com/office/powerpoint/2012/main" xmlns="">
         <p15:guide id="1" orient="horz" pos="3224">
           <p15:clr>
             <a:srgbClr val="A4A3A4"/>
@@ -2696,7 +2691,7 @@
             <a:fld id="{DB6A8E0A-103C-4973-AE71-F9A7DEFB391A}" type="slidenum">
               <a:rPr lang="en-US" altLang="zh-TW" smtClean="0"/>
               <a:pPr eaLnBrk="1" hangingPunct="1"/>
-              <a:t>29</a:t>
+              <a:t>24</a:t>
             </a:fld>
             <a:endParaRPr lang="en-US" altLang="zh-TW" smtClean="0"/>
           </a:p>
@@ -2864,7 +2859,7 @@
             <a:fld id="{07346091-4DA9-4583-A58B-8B16EE350C73}" type="slidenum">
               <a:rPr lang="zh-TW" altLang="en-US" sz="1300" smtClean="0"/>
               <a:pPr/>
-              <a:t>46</a:t>
+              <a:t>41</a:t>
             </a:fld>
             <a:endParaRPr lang="en-US" altLang="zh-TW" sz="1300" smtClean="0"/>
           </a:p>
@@ -9608,14 +9603,14 @@
             <p:ph idx="1"/>
             <p:extLst>
               <p:ext uri="{D42A27DB-BD31-4B8C-83A1-F6EECF244321}">
-                <p14:modId xmlns:p14="http://schemas.microsoft.com/office/powerpoint/2010/main" val="2100414598"/>
+                <p14:modId xmlns:p14="http://schemas.microsoft.com/office/powerpoint/2010/main" val="2445849910"/>
               </p:ext>
             </p:extLst>
           </p:nvPr>
         </p:nvGraphicFramePr>
         <p:xfrm>
           <a:off x="982663" y="2667000"/>
-          <a:ext cx="8229600" cy="2596160"/>
+          <a:ext cx="7694588" cy="2596160"/>
         </p:xfrm>
         <a:graphic>
           <a:graphicData uri="http://schemas.openxmlformats.org/drawingml/2006/table">
@@ -9624,8 +9619,8 @@
                 <a:tableStyleId>{5C22544A-7EE6-4342-B048-85BDC9FD1C3A}</a:tableStyleId>
               </a:tblPr>
               <a:tblGrid>
-                <a:gridCol w="4114800"/>
-                <a:gridCol w="4114800"/>
+                <a:gridCol w="3847294"/>
+                <a:gridCol w="3847294"/>
               </a:tblGrid>
               <a:tr h="370880">
                 <a:tc>
@@ -9655,7 +9650,7 @@
                     <a:p>
                       <a:pPr fontAlgn="base"/>
                       <a:r>
-                        <a:rPr lang="en-US" sz="1800" b="1" i="0">
+                        <a:rPr lang="en-US" sz="1800" b="1" i="0" dirty="0">
                           <a:solidFill>
                             <a:srgbClr val="000000"/>
                           </a:solidFill>
@@ -10142,42 +10137,60 @@
         <p:spPr/>
         <p:txBody>
           <a:bodyPr>
-            <a:normAutofit fontScale="92500" lnSpcReduction="20000"/>
+            <a:normAutofit fontScale="85000" lnSpcReduction="10000"/>
           </a:bodyPr>
           <a:lstStyle/>
           <a:p>
             <a:r>
-              <a:rPr lang="en-US" altLang="zh-TW" smtClean="0"/>
+              <a:rPr lang="en-US" altLang="zh-TW" dirty="0" smtClean="0"/>
               <a:t>Open source - free to use</a:t>
             </a:r>
           </a:p>
           <a:p>
             <a:r>
-              <a:rPr lang="en-US" altLang="zh-TW" smtClean="0"/>
+              <a:rPr lang="en-US" altLang="zh-TW" dirty="0" smtClean="0"/>
               <a:t>Comes with Linux – up to 4G database</a:t>
             </a:r>
           </a:p>
           <a:p>
             <a:r>
-              <a:rPr lang="en-US" altLang="zh-TW" smtClean="0"/>
+              <a:rPr lang="en-US" altLang="zh-TW" dirty="0" smtClean="0"/>
               <a:t>Implementation costs only 10-20% of the price of commercial databases (Oracle, IBM, MS)</a:t>
             </a:r>
           </a:p>
           <a:p>
             <a:r>
-              <a:rPr lang="en-US" altLang="zh-TW" smtClean="0"/>
-              <a:t>Capable of handling routine and even critical computing tasks, easy to manage</a:t>
-            </a:r>
-          </a:p>
-          <a:p>
-            <a:r>
-              <a:rPr lang="en-US" altLang="zh-TW" smtClean="0"/>
-              <a:t>Usually used for new, custom-built apps</a:t>
-            </a:r>
-          </a:p>
-          <a:p>
-            <a:r>
-              <a:rPr lang="en-US" altLang="zh-TW" smtClean="0"/>
+              <a:rPr lang="en-US" altLang="zh-TW" dirty="0" smtClean="0"/>
+              <a:t>Capable of handling routine and even critical computing tasks, easy to </a:t>
+            </a:r>
+            <a:r>
+              <a:rPr lang="en-US" altLang="zh-TW" dirty="0" smtClean="0"/>
+              <a:t>manage including triggers</a:t>
+            </a:r>
+            <a:r>
+              <a:rPr lang="en-US" altLang="zh-TW" dirty="0"/>
+              <a:t>, views and stored </a:t>
+            </a:r>
+            <a:r>
+              <a:rPr lang="en-US" altLang="zh-TW" dirty="0" smtClean="0"/>
+              <a:t>procedures</a:t>
+            </a:r>
+            <a:endParaRPr lang="en-US" altLang="zh-TW" dirty="0" smtClean="0"/>
+          </a:p>
+          <a:p>
+            <a:r>
+              <a:rPr lang="en-US" altLang="zh-TW" dirty="0" smtClean="0"/>
+              <a:t>Usually used for new, custom-built </a:t>
+            </a:r>
+            <a:r>
+              <a:rPr lang="en-US" altLang="zh-TW" dirty="0" smtClean="0"/>
+              <a:t>apps/website</a:t>
+            </a:r>
+            <a:endParaRPr lang="en-US" altLang="zh-TW" dirty="0" smtClean="0"/>
+          </a:p>
+          <a:p>
+            <a:r>
+              <a:rPr lang="en-US" altLang="zh-TW" dirty="0" smtClean="0"/>
               <a:t>More third-party products now support the open-source database</a:t>
             </a:r>
           </a:p>
@@ -10277,13 +10290,11 @@
           <a:p>
             <a:r>
               <a:rPr lang="en-US" altLang="zh-TW" dirty="0" smtClean="0"/>
-              <a:t>MySQL is not highly scalable and lacks triggers, views and stored procedures</a:t>
-            </a:r>
-          </a:p>
-          <a:p>
+              <a:t>Few </a:t>
+            </a:r>
             <a:r>
               <a:rPr lang="en-US" altLang="zh-TW" dirty="0" smtClean="0"/>
-              <a:t>Few packaged apps run on MySQL</a:t>
+              <a:t>packaged apps run on MySQL</a:t>
             </a:r>
           </a:p>
           <a:p>
@@ -10292,12 +10303,12 @@
               <a:t>Big-name software vendors such as </a:t>
             </a:r>
             <a:r>
-              <a:rPr lang="en-US" altLang="zh-TW" dirty="0" err="1" smtClean="0"/>
-              <a:t>peoplesoft</a:t>
-            </a:r>
-            <a:r>
               <a:rPr lang="en-US" altLang="zh-TW" dirty="0" smtClean="0"/>
-              <a:t>, SAP, and Siebel Systems do not support it</a:t>
+              <a:t>PeopleSoft, </a:t>
+            </a:r>
+            <a:r>
+              <a:rPr lang="en-US" altLang="zh-TW" dirty="0" smtClean="0"/>
+              <a:t>SAP, and Siebel Systems do not support it</a:t>
             </a:r>
           </a:p>
         </p:txBody>
@@ -11168,47 +11179,9 @@
           <a:chExt cx="0" cy="0"/>
         </a:xfrm>
       </p:grpSpPr>
-      <p:sp>
-        <p:nvSpPr>
-          <p:cNvPr id="2" name="Title 1"/>
-          <p:cNvSpPr>
-            <a:spLocks noGrp="1"/>
-          </p:cNvSpPr>
-          <p:nvPr>
-            <p:ph type="title"/>
-          </p:nvPr>
-        </p:nvSpPr>
-        <p:spPr/>
-        <p:txBody>
-          <a:bodyPr/>
-          <a:lstStyle/>
-          <a:p>
-            <a:endParaRPr lang="zh-HK" altLang="en-US"/>
-          </a:p>
-        </p:txBody>
-      </p:sp>
-      <p:sp>
-        <p:nvSpPr>
-          <p:cNvPr id="3" name="Content Placeholder 2"/>
-          <p:cNvSpPr>
-            <a:spLocks noGrp="1"/>
-          </p:cNvSpPr>
-          <p:nvPr>
-            <p:ph idx="1"/>
-          </p:nvPr>
-        </p:nvSpPr>
-        <p:spPr/>
-        <p:txBody>
-          <a:bodyPr/>
-          <a:lstStyle/>
-          <a:p>
-            <a:endParaRPr lang="zh-HK" altLang="en-US"/>
-          </a:p>
-        </p:txBody>
-      </p:sp>
       <p:pic>
         <p:nvPicPr>
-          <p:cNvPr id="28676" name="Picture 2" descr="C:\Users\hatted\Desktop\php\images\phpmyadmin02.jpg"/>
+          <p:cNvPr id="1027" name="Picture 3"/>
           <p:cNvPicPr>
             <a:picLocks noChangeAspect="1" noChangeArrowheads="1"/>
           </p:cNvPicPr>
@@ -11222,15 +11195,15 @@
               </a:ext>
             </a:extLst>
           </a:blip>
-          <a:srcRect l="19943" t="14606" r="7584" b="11237"/>
+          <a:srcRect/>
           <a:stretch>
             <a:fillRect/>
           </a:stretch>
         </p:blipFill>
         <p:spPr bwMode="auto">
           <a:xfrm>
-            <a:off x="500063" y="266700"/>
-            <a:ext cx="8215312" cy="6305550"/>
+            <a:off x="1209675" y="276225"/>
+            <a:ext cx="6724650" cy="6305550"/>
           </a:xfrm>
           <a:prstGeom prst="rect">
             <a:avLst/>
@@ -11239,23 +11212,33 @@
           <a:ln>
             <a:noFill/>
           </a:ln>
+          <a:effectLst/>
           <a:extLst>
             <a:ext uri="{909E8E84-426E-40DD-AFC4-6F175D3DCCD1}">
               <a14:hiddenFill xmlns:a14="http://schemas.microsoft.com/office/drawing/2010/main">
                 <a:solidFill>
-                  <a:srgbClr val="FFFFFF"/>
+                  <a:schemeClr val="accent1"/>
                 </a:solidFill>
               </a14:hiddenFill>
             </a:ext>
             <a:ext uri="{91240B29-F687-4F45-9708-019B960494DF}">
               <a14:hiddenLine xmlns:a14="http://schemas.microsoft.com/office/drawing/2010/main" w="9525">
                 <a:solidFill>
-                  <a:srgbClr val="000000"/>
+                  <a:schemeClr val="tx1"/>
                 </a:solidFill>
                 <a:miter lim="800000"/>
                 <a:headEnd/>
                 <a:tailEnd/>
               </a14:hiddenLine>
+            </a:ext>
+            <a:ext uri="{AF507438-7753-43E0-B8FC-AC1667EBCBE1}">
+              <a14:hiddenEffects xmlns:a14="http://schemas.microsoft.com/office/drawing/2010/main">
+                <a:effectLst>
+                  <a:outerShdw dist="35921" dir="2700000" algn="ctr" rotWithShape="0">
+                    <a:schemeClr val="bg2"/>
+                  </a:outerShdw>
+                </a:effectLst>
+              </a14:hiddenEffects>
             </a:ext>
           </a:extLst>
         </p:spPr>
@@ -11442,36 +11425,23 @@
           <a:bodyPr/>
           <a:lstStyle/>
           <a:p>
-            <a:endParaRPr lang="zh-HK" altLang="en-US"/>
-          </a:p>
-        </p:txBody>
-      </p:sp>
-      <p:sp>
-        <p:nvSpPr>
-          <p:cNvPr id="3" name="Content Placeholder 2"/>
-          <p:cNvSpPr>
-            <a:spLocks noGrp="1"/>
-          </p:cNvSpPr>
-          <p:nvPr>
-            <p:ph idx="1"/>
-          </p:nvPr>
-        </p:nvSpPr>
-        <p:spPr/>
-        <p:txBody>
-          <a:bodyPr/>
-          <a:lstStyle/>
-          <a:p>
+            <a:r>
+              <a:rPr lang="en-US" altLang="zh-HK" smtClean="0"/>
+              <a:t>Character set</a:t>
+            </a:r>
             <a:endParaRPr lang="zh-HK" altLang="en-US"/>
           </a:p>
         </p:txBody>
       </p:sp>
       <p:pic>
         <p:nvPicPr>
-          <p:cNvPr id="29700" name="Picture 2" descr="C:\Users\hatted\Desktop\php\images\phpmyadmin03.jpg"/>
+          <p:cNvPr id="7" name="Picture 3"/>
           <p:cNvPicPr>
-            <a:picLocks noChangeAspect="1" noChangeArrowheads="1"/>
+            <a:picLocks noGrp="1" noChangeAspect="1" noChangeArrowheads="1"/>
           </p:cNvPicPr>
-          <p:nvPr/>
+          <p:nvPr>
+            <p:ph idx="1"/>
+          </p:nvPr>
         </p:nvPicPr>
         <p:blipFill>
           <a:blip r:embed="rId2">
@@ -11481,15 +11451,15 @@
               </a:ext>
             </a:extLst>
           </a:blip>
-          <a:srcRect l="19658" t="14536" r="2563" b="6837"/>
+          <a:srcRect/>
           <a:stretch>
             <a:fillRect/>
           </a:stretch>
         </p:blipFill>
         <p:spPr bwMode="auto">
           <a:xfrm>
-            <a:off x="285750" y="142875"/>
-            <a:ext cx="8572500" cy="6500813"/>
+            <a:off x="2772165" y="2667000"/>
+            <a:ext cx="4125133" cy="3332163"/>
           </a:xfrm>
           <a:prstGeom prst="rect">
             <a:avLst/>
@@ -11498,23 +11468,33 @@
           <a:ln>
             <a:noFill/>
           </a:ln>
+          <a:effectLst/>
           <a:extLst>
             <a:ext uri="{909E8E84-426E-40DD-AFC4-6F175D3DCCD1}">
               <a14:hiddenFill xmlns:a14="http://schemas.microsoft.com/office/drawing/2010/main">
                 <a:solidFill>
-                  <a:srgbClr val="FFFFFF"/>
+                  <a:schemeClr val="accent1"/>
                 </a:solidFill>
               </a14:hiddenFill>
             </a:ext>
             <a:ext uri="{91240B29-F687-4F45-9708-019B960494DF}">
               <a14:hiddenLine xmlns:a14="http://schemas.microsoft.com/office/drawing/2010/main" w="9525">
                 <a:solidFill>
-                  <a:srgbClr val="000000"/>
+                  <a:schemeClr val="tx1"/>
                 </a:solidFill>
                 <a:miter lim="800000"/>
                 <a:headEnd/>
                 <a:tailEnd/>
               </a14:hiddenLine>
+            </a:ext>
+            <a:ext uri="{AF507438-7753-43E0-B8FC-AC1667EBCBE1}">
+              <a14:hiddenEffects xmlns:a14="http://schemas.microsoft.com/office/drawing/2010/main">
+                <a:effectLst>
+                  <a:outerShdw dist="35921" dir="2700000" algn="ctr" rotWithShape="0">
+                    <a:schemeClr val="bg2"/>
+                  </a:outerShdw>
+                </a:effectLst>
+              </a14:hiddenEffects>
             </a:ext>
           </a:extLst>
         </p:spPr>
@@ -11522,7 +11502,7 @@
     </p:spTree>
     <p:extLst>
       <p:ext uri="{BB962C8B-B14F-4D97-AF65-F5344CB8AC3E}">
-        <p14:creationId xmlns:p14="http://schemas.microsoft.com/office/powerpoint/2010/main" val="2275608744"/>
+        <p14:creationId xmlns:p14="http://schemas.microsoft.com/office/powerpoint/2010/main" val="4198248355"/>
       </p:ext>
     </p:extLst>
   </p:cSld>
@@ -11568,40 +11548,66 @@
           <a:chExt cx="0" cy="0"/>
         </a:xfrm>
       </p:grpSpPr>
-      <p:pic>
-        <p:nvPicPr>
-          <p:cNvPr id="30723" name="Content Placeholder 3" descr="phpmyadmin04.jpg"/>
-          <p:cNvPicPr>
-            <a:picLocks noGrp="1" noChangeAspect="1"/>
-          </p:cNvPicPr>
-          <p:nvPr>
-            <p:ph idx="4294967295"/>
-          </p:nvPr>
-        </p:nvPicPr>
-        <p:blipFill>
-          <a:blip r:embed="rId2">
-            <a:extLst>
-              <a:ext uri="{28A0092B-C50C-407E-A947-70E740481C1C}">
-                <a14:useLocalDpi xmlns:a14="http://schemas.microsoft.com/office/drawing/2010/main" val="0"/>
-              </a:ext>
-            </a:extLst>
-          </a:blip>
-          <a:srcRect l="20226" t="14606" r="3090" b="6741"/>
-          <a:stretch>
-            <a:fillRect/>
-          </a:stretch>
-        </p:blipFill>
-        <p:spPr>
-          <a:xfrm>
-            <a:off x="1331640" y="332656"/>
-            <a:ext cx="7596336" cy="5842695"/>
-          </a:xfrm>
-        </p:spPr>
-      </p:pic>
+      <p:sp>
+        <p:nvSpPr>
+          <p:cNvPr id="35842" name="Title 1"/>
+          <p:cNvSpPr>
+            <a:spLocks noGrp="1"/>
+          </p:cNvSpPr>
+          <p:nvPr>
+            <p:ph type="title"/>
+          </p:nvPr>
+        </p:nvSpPr>
+        <p:spPr/>
+        <p:txBody>
+          <a:bodyPr/>
+          <a:lstStyle/>
+          <a:p>
+            <a:r>
+              <a:rPr lang="en-US" altLang="zh-TW" smtClean="0"/>
+              <a:t>Character set</a:t>
+            </a:r>
+          </a:p>
+        </p:txBody>
+      </p:sp>
+      <p:sp>
+        <p:nvSpPr>
+          <p:cNvPr id="35843" name="Content Placeholder 2"/>
+          <p:cNvSpPr>
+            <a:spLocks noGrp="1"/>
+          </p:cNvSpPr>
+          <p:nvPr>
+            <p:ph idx="1"/>
+          </p:nvPr>
+        </p:nvSpPr>
+        <p:spPr/>
+        <p:txBody>
+          <a:bodyPr/>
+          <a:lstStyle/>
+          <a:p>
+            <a:r>
+              <a:rPr lang="en-US" altLang="zh-TW" dirty="0" smtClean="0"/>
+              <a:t>A character set is a set of symbols and encodings.</a:t>
+            </a:r>
+          </a:p>
+          <a:p>
+            <a:r>
+              <a:rPr lang="en-US" altLang="zh-TW" dirty="0" smtClean="0"/>
+              <a:t>Unicode is the most common way for character set.</a:t>
+            </a:r>
+          </a:p>
+          <a:p>
+            <a:r>
+              <a:rPr lang="en-US" altLang="zh-TW" dirty="0" smtClean="0"/>
+              <a:t>UTF-8 -&gt; utf8_general_ci</a:t>
+            </a:r>
+          </a:p>
+        </p:txBody>
+      </p:sp>
     </p:spTree>
     <p:extLst>
       <p:ext uri="{BB962C8B-B14F-4D97-AF65-F5344CB8AC3E}">
-        <p14:creationId xmlns:p14="http://schemas.microsoft.com/office/powerpoint/2010/main" val="790322680"/>
+        <p14:creationId xmlns:p14="http://schemas.microsoft.com/office/powerpoint/2010/main" val="1009040393"/>
       </p:ext>
     </p:extLst>
   </p:cSld>
@@ -11649,7 +11655,7 @@
       </p:grpSpPr>
       <p:sp>
         <p:nvSpPr>
-          <p:cNvPr id="2" name="Title 1"/>
+          <p:cNvPr id="36866" name="Title 1"/>
           <p:cNvSpPr>
             <a:spLocks noGrp="1"/>
           </p:cNvSpPr>
@@ -11662,13 +11668,16 @@
           <a:bodyPr/>
           <a:lstStyle/>
           <a:p>
-            <a:endParaRPr lang="zh-HK" altLang="en-US"/>
-          </a:p>
-        </p:txBody>
-      </p:sp>
-      <p:sp>
-        <p:nvSpPr>
-          <p:cNvPr id="3" name="Content Placeholder 2"/>
+            <a:r>
+              <a:rPr lang="en-US" altLang="zh-TW" smtClean="0"/>
+              <a:t>Uni-code</a:t>
+            </a:r>
+          </a:p>
+        </p:txBody>
+      </p:sp>
+      <p:sp>
+        <p:nvSpPr>
+          <p:cNvPr id="36867" name="Content Placeholder 2"/>
           <p:cNvSpPr>
             <a:spLocks noGrp="1"/>
           </p:cNvSpPr>
@@ -11681,68 +11690,37 @@
           <a:bodyPr/>
           <a:lstStyle/>
           <a:p>
-            <a:endParaRPr lang="zh-HK" altLang="en-US"/>
-          </a:p>
-        </p:txBody>
-      </p:sp>
-      <p:pic>
-        <p:nvPicPr>
-          <p:cNvPr id="31748" name="Picture 3" descr="C:\Users\hatted\Desktop\php\images\phpmyadmin05.jpg"/>
-          <p:cNvPicPr>
-            <a:picLocks noChangeAspect="1" noChangeArrowheads="1"/>
-          </p:cNvPicPr>
-          <p:nvPr/>
-        </p:nvPicPr>
-        <p:blipFill>
-          <a:blip r:embed="rId2">
-            <a:extLst>
-              <a:ext uri="{28A0092B-C50C-407E-A947-70E740481C1C}">
-                <a14:useLocalDpi xmlns:a14="http://schemas.microsoft.com/office/drawing/2010/main" val="0"/>
-              </a:ext>
-            </a:extLst>
-          </a:blip>
-          <a:srcRect l="20168" t="14566" r="2521" b="6998"/>
-          <a:stretch>
-            <a:fillRect/>
-          </a:stretch>
-        </p:blipFill>
-        <p:spPr bwMode="auto">
-          <a:xfrm>
-            <a:off x="428625" y="284163"/>
-            <a:ext cx="8358188" cy="6359525"/>
-          </a:xfrm>
-          <a:prstGeom prst="rect">
-            <a:avLst/>
-          </a:prstGeom>
-          <a:noFill/>
-          <a:ln>
-            <a:noFill/>
-          </a:ln>
-          <a:extLst>
-            <a:ext uri="{909E8E84-426E-40DD-AFC4-6F175D3DCCD1}">
-              <a14:hiddenFill xmlns:a14="http://schemas.microsoft.com/office/drawing/2010/main">
-                <a:solidFill>
-                  <a:srgbClr val="FFFFFF"/>
-                </a:solidFill>
-              </a14:hiddenFill>
-            </a:ext>
-            <a:ext uri="{91240B29-F687-4F45-9708-019B960494DF}">
-              <a14:hiddenLine xmlns:a14="http://schemas.microsoft.com/office/drawing/2010/main" w="9525">
-                <a:solidFill>
-                  <a:srgbClr val="000000"/>
-                </a:solidFill>
-                <a:miter lim="800000"/>
-                <a:headEnd/>
-                <a:tailEnd/>
-              </a14:hiddenLine>
-            </a:ext>
-          </a:extLst>
-        </p:spPr>
-      </p:pic>
+            <a:r>
+              <a:rPr lang="en-US" altLang="zh-TW" smtClean="0"/>
+              <a:t>MySQL 5.0 supports two character sets for storing Unicode data: </a:t>
+            </a:r>
+          </a:p>
+          <a:p>
+            <a:pPr lvl="1"/>
+            <a:r>
+              <a:rPr lang="en-US" altLang="zh-TW" smtClean="0"/>
+              <a:t>ucs2, the UCS-2 encoding of the Unicode character set using 16 bits per character </a:t>
+            </a:r>
+          </a:p>
+          <a:p>
+            <a:pPr lvl="1"/>
+            <a:r>
+              <a:rPr lang="en-US" altLang="zh-TW" smtClean="0"/>
+              <a:t>utf8, a UTF-8 encoding of the Unicode character set using one to three bytes per character </a:t>
+            </a:r>
+          </a:p>
+          <a:p>
+            <a:r>
+              <a:rPr lang="en-US" altLang="zh-TW" smtClean="0"/>
+              <a:t>They usually include a language name, and they end with _ci (case insensitive), _cs (case sensitive), or _bin (binary). </a:t>
+            </a:r>
+          </a:p>
+        </p:txBody>
+      </p:sp>
     </p:spTree>
     <p:extLst>
       <p:ext uri="{BB962C8B-B14F-4D97-AF65-F5344CB8AC3E}">
-        <p14:creationId xmlns:p14="http://schemas.microsoft.com/office/powerpoint/2010/main" val="1188879338"/>
+        <p14:creationId xmlns:p14="http://schemas.microsoft.com/office/powerpoint/2010/main" val="2532207627"/>
       </p:ext>
     </p:extLst>
   </p:cSld>
@@ -11790,647 +11768,6 @@
       </p:grpSpPr>
       <p:sp>
         <p:nvSpPr>
-          <p:cNvPr id="2" name="Title 1"/>
-          <p:cNvSpPr>
-            <a:spLocks noGrp="1"/>
-          </p:cNvSpPr>
-          <p:nvPr>
-            <p:ph type="title"/>
-          </p:nvPr>
-        </p:nvSpPr>
-        <p:spPr/>
-        <p:txBody>
-          <a:bodyPr/>
-          <a:lstStyle/>
-          <a:p>
-            <a:endParaRPr lang="zh-HK" altLang="en-US"/>
-          </a:p>
-        </p:txBody>
-      </p:sp>
-      <p:sp>
-        <p:nvSpPr>
-          <p:cNvPr id="3" name="Content Placeholder 2"/>
-          <p:cNvSpPr>
-            <a:spLocks noGrp="1"/>
-          </p:cNvSpPr>
-          <p:nvPr>
-            <p:ph idx="1"/>
-          </p:nvPr>
-        </p:nvSpPr>
-        <p:spPr/>
-        <p:txBody>
-          <a:bodyPr/>
-          <a:lstStyle/>
-          <a:p>
-            <a:endParaRPr lang="zh-HK" altLang="en-US"/>
-          </a:p>
-        </p:txBody>
-      </p:sp>
-      <p:pic>
-        <p:nvPicPr>
-          <p:cNvPr id="32772" name="Picture 4" descr="C:\Users\hatted\Desktop\php\images\phpmyadmin06.jpg"/>
-          <p:cNvPicPr>
-            <a:picLocks noChangeAspect="1" noChangeArrowheads="1"/>
-          </p:cNvPicPr>
-          <p:nvPr/>
-        </p:nvPicPr>
-        <p:blipFill>
-          <a:blip r:embed="rId2">
-            <a:extLst>
-              <a:ext uri="{28A0092B-C50C-407E-A947-70E740481C1C}">
-                <a14:useLocalDpi xmlns:a14="http://schemas.microsoft.com/office/drawing/2010/main" val="0"/>
-              </a:ext>
-            </a:extLst>
-          </a:blip>
-          <a:srcRect l="20660" t="15427" r="3305" b="7443"/>
-          <a:stretch>
-            <a:fillRect/>
-          </a:stretch>
-        </p:blipFill>
-        <p:spPr bwMode="auto">
-          <a:xfrm>
-            <a:off x="357188" y="138113"/>
-            <a:ext cx="8643937" cy="6577012"/>
-          </a:xfrm>
-          <a:prstGeom prst="rect">
-            <a:avLst/>
-          </a:prstGeom>
-          <a:noFill/>
-          <a:ln>
-            <a:noFill/>
-          </a:ln>
-          <a:extLst>
-            <a:ext uri="{909E8E84-426E-40DD-AFC4-6F175D3DCCD1}">
-              <a14:hiddenFill xmlns:a14="http://schemas.microsoft.com/office/drawing/2010/main">
-                <a:solidFill>
-                  <a:srgbClr val="FFFFFF"/>
-                </a:solidFill>
-              </a14:hiddenFill>
-            </a:ext>
-            <a:ext uri="{91240B29-F687-4F45-9708-019B960494DF}">
-              <a14:hiddenLine xmlns:a14="http://schemas.microsoft.com/office/drawing/2010/main" w="9525">
-                <a:solidFill>
-                  <a:srgbClr val="000000"/>
-                </a:solidFill>
-                <a:miter lim="800000"/>
-                <a:headEnd/>
-                <a:tailEnd/>
-              </a14:hiddenLine>
-            </a:ext>
-          </a:extLst>
-        </p:spPr>
-      </p:pic>
-    </p:spTree>
-    <p:extLst>
-      <p:ext uri="{BB962C8B-B14F-4D97-AF65-F5344CB8AC3E}">
-        <p14:creationId xmlns:p14="http://schemas.microsoft.com/office/powerpoint/2010/main" val="46878607"/>
-      </p:ext>
-    </p:extLst>
-  </p:cSld>
-  <p:clrMapOvr>
-    <a:masterClrMapping/>
-  </p:clrMapOvr>
-  <mc:AlternateContent xmlns:mc="http://schemas.openxmlformats.org/markup-compatibility/2006" xmlns:p14="http://schemas.microsoft.com/office/powerpoint/2010/main">
-    <mc:Choice Requires="p14">
-      <p:transition spd="slow" p14:dur="2000">
-        <p14:prism isContent="1"/>
-      </p:transition>
-    </mc:Choice>
-    <mc:Fallback xmlns="">
-      <p:transition spd="slow">
-        <p:fade/>
-      </p:transition>
-    </mc:Fallback>
-  </mc:AlternateContent>
-  <p:timing>
-    <p:tnLst>
-      <p:par>
-        <p:cTn id="1" dur="indefinite" restart="never" nodeType="tmRoot"/>
-      </p:par>
-    </p:tnLst>
-  </p:timing>
-</p:sld>
-</file>
-
-<file path=ppt/slides/slide24.xml><?xml version="1.0" encoding="utf-8"?>
-<p:sld xmlns:a="http://schemas.openxmlformats.org/drawingml/2006/main" xmlns:r="http://schemas.openxmlformats.org/officeDocument/2006/relationships" xmlns:p="http://schemas.openxmlformats.org/presentationml/2006/main">
-  <p:cSld>
-    <p:spTree>
-      <p:nvGrpSpPr>
-        <p:cNvPr id="1" name=""/>
-        <p:cNvGrpSpPr/>
-        <p:nvPr/>
-      </p:nvGrpSpPr>
-      <p:grpSpPr>
-        <a:xfrm>
-          <a:off x="0" y="0"/>
-          <a:ext cx="0" cy="0"/>
-          <a:chOff x="0" y="0"/>
-          <a:chExt cx="0" cy="0"/>
-        </a:xfrm>
-      </p:grpSpPr>
-      <p:sp>
-        <p:nvSpPr>
-          <p:cNvPr id="2" name="Title 1"/>
-          <p:cNvSpPr>
-            <a:spLocks noGrp="1"/>
-          </p:cNvSpPr>
-          <p:nvPr>
-            <p:ph type="title"/>
-          </p:nvPr>
-        </p:nvSpPr>
-        <p:spPr/>
-        <p:txBody>
-          <a:bodyPr/>
-          <a:lstStyle/>
-          <a:p>
-            <a:endParaRPr lang="zh-HK" altLang="en-US"/>
-          </a:p>
-        </p:txBody>
-      </p:sp>
-      <p:sp>
-        <p:nvSpPr>
-          <p:cNvPr id="3" name="Content Placeholder 2"/>
-          <p:cNvSpPr>
-            <a:spLocks noGrp="1"/>
-          </p:cNvSpPr>
-          <p:nvPr>
-            <p:ph idx="1"/>
-          </p:nvPr>
-        </p:nvSpPr>
-        <p:spPr/>
-        <p:txBody>
-          <a:bodyPr/>
-          <a:lstStyle/>
-          <a:p>
-            <a:endParaRPr lang="zh-HK" altLang="en-US"/>
-          </a:p>
-        </p:txBody>
-      </p:sp>
-      <p:pic>
-        <p:nvPicPr>
-          <p:cNvPr id="33796" name="Picture 5" descr="C:\Users\hatted\Desktop\php\images\phpmyadmin07.jpg"/>
-          <p:cNvPicPr>
-            <a:picLocks noChangeAspect="1" noChangeArrowheads="1"/>
-          </p:cNvPicPr>
-          <p:nvPr/>
-        </p:nvPicPr>
-        <p:blipFill>
-          <a:blip r:embed="rId2">
-            <a:extLst>
-              <a:ext uri="{28A0092B-C50C-407E-A947-70E740481C1C}">
-                <a14:useLocalDpi xmlns:a14="http://schemas.microsoft.com/office/drawing/2010/main" val="0"/>
-              </a:ext>
-            </a:extLst>
-          </a:blip>
-          <a:srcRect l="20186" t="14261" r="2467" b="7851"/>
-          <a:stretch>
-            <a:fillRect/>
-          </a:stretch>
-        </p:blipFill>
-        <p:spPr bwMode="auto">
-          <a:xfrm>
-            <a:off x="441325" y="357188"/>
-            <a:ext cx="8416925" cy="6357937"/>
-          </a:xfrm>
-          <a:prstGeom prst="rect">
-            <a:avLst/>
-          </a:prstGeom>
-          <a:noFill/>
-          <a:ln>
-            <a:noFill/>
-          </a:ln>
-          <a:extLst>
-            <a:ext uri="{909E8E84-426E-40DD-AFC4-6F175D3DCCD1}">
-              <a14:hiddenFill xmlns:a14="http://schemas.microsoft.com/office/drawing/2010/main">
-                <a:solidFill>
-                  <a:srgbClr val="FFFFFF"/>
-                </a:solidFill>
-              </a14:hiddenFill>
-            </a:ext>
-            <a:ext uri="{91240B29-F687-4F45-9708-019B960494DF}">
-              <a14:hiddenLine xmlns:a14="http://schemas.microsoft.com/office/drawing/2010/main" w="9525">
-                <a:solidFill>
-                  <a:srgbClr val="000000"/>
-                </a:solidFill>
-                <a:miter lim="800000"/>
-                <a:headEnd/>
-                <a:tailEnd/>
-              </a14:hiddenLine>
-            </a:ext>
-          </a:extLst>
-        </p:spPr>
-      </p:pic>
-    </p:spTree>
-    <p:extLst>
-      <p:ext uri="{BB962C8B-B14F-4D97-AF65-F5344CB8AC3E}">
-        <p14:creationId xmlns:p14="http://schemas.microsoft.com/office/powerpoint/2010/main" val="2385403700"/>
-      </p:ext>
-    </p:extLst>
-  </p:cSld>
-  <p:clrMapOvr>
-    <a:masterClrMapping/>
-  </p:clrMapOvr>
-  <mc:AlternateContent xmlns:mc="http://schemas.openxmlformats.org/markup-compatibility/2006" xmlns:p14="http://schemas.microsoft.com/office/powerpoint/2010/main">
-    <mc:Choice Requires="p14">
-      <p:transition spd="slow" p14:dur="2000">
-        <p14:prism isContent="1"/>
-      </p:transition>
-    </mc:Choice>
-    <mc:Fallback xmlns="">
-      <p:transition spd="slow">
-        <p:fade/>
-      </p:transition>
-    </mc:Fallback>
-  </mc:AlternateContent>
-  <p:timing>
-    <p:tnLst>
-      <p:par>
-        <p:cTn id="1" dur="indefinite" restart="never" nodeType="tmRoot"/>
-      </p:par>
-    </p:tnLst>
-  </p:timing>
-</p:sld>
-</file>
-
-<file path=ppt/slides/slide25.xml><?xml version="1.0" encoding="utf-8"?>
-<p:sld xmlns:a="http://schemas.openxmlformats.org/drawingml/2006/main" xmlns:r="http://schemas.openxmlformats.org/officeDocument/2006/relationships" xmlns:p="http://schemas.openxmlformats.org/presentationml/2006/main">
-  <p:cSld>
-    <p:spTree>
-      <p:nvGrpSpPr>
-        <p:cNvPr id="1" name=""/>
-        <p:cNvGrpSpPr/>
-        <p:nvPr/>
-      </p:nvGrpSpPr>
-      <p:grpSpPr>
-        <a:xfrm>
-          <a:off x="0" y="0"/>
-          <a:ext cx="0" cy="0"/>
-          <a:chOff x="0" y="0"/>
-          <a:chExt cx="0" cy="0"/>
-        </a:xfrm>
-      </p:grpSpPr>
-      <p:sp>
-        <p:nvSpPr>
-          <p:cNvPr id="2" name="Title 1"/>
-          <p:cNvSpPr>
-            <a:spLocks noGrp="1"/>
-          </p:cNvSpPr>
-          <p:nvPr>
-            <p:ph type="title"/>
-          </p:nvPr>
-        </p:nvSpPr>
-        <p:spPr/>
-        <p:txBody>
-          <a:bodyPr/>
-          <a:lstStyle/>
-          <a:p>
-            <a:endParaRPr lang="zh-HK" altLang="en-US"/>
-          </a:p>
-        </p:txBody>
-      </p:sp>
-      <p:sp>
-        <p:nvSpPr>
-          <p:cNvPr id="3" name="Content Placeholder 2"/>
-          <p:cNvSpPr>
-            <a:spLocks noGrp="1"/>
-          </p:cNvSpPr>
-          <p:nvPr>
-            <p:ph idx="1"/>
-          </p:nvPr>
-        </p:nvSpPr>
-        <p:spPr/>
-        <p:txBody>
-          <a:bodyPr/>
-          <a:lstStyle/>
-          <a:p>
-            <a:endParaRPr lang="zh-HK" altLang="en-US"/>
-          </a:p>
-        </p:txBody>
-      </p:sp>
-      <p:pic>
-        <p:nvPicPr>
-          <p:cNvPr id="34820" name="Picture 6" descr="C:\Users\hatted\Desktop\php\images\phpmyadmin08.jpg"/>
-          <p:cNvPicPr>
-            <a:picLocks noChangeAspect="1" noChangeArrowheads="1"/>
-          </p:cNvPicPr>
-          <p:nvPr/>
-        </p:nvPicPr>
-        <p:blipFill>
-          <a:blip r:embed="rId2">
-            <a:extLst>
-              <a:ext uri="{28A0092B-C50C-407E-A947-70E740481C1C}">
-                <a14:useLocalDpi xmlns:a14="http://schemas.microsoft.com/office/drawing/2010/main" val="0"/>
-              </a:ext>
-            </a:extLst>
-          </a:blip>
-          <a:srcRect l="20525" t="13387" r="3346" b="7413"/>
-          <a:stretch>
-            <a:fillRect/>
-          </a:stretch>
-        </p:blipFill>
-        <p:spPr bwMode="auto">
-          <a:xfrm>
-            <a:off x="357188" y="209550"/>
-            <a:ext cx="8429625" cy="6577013"/>
-          </a:xfrm>
-          <a:prstGeom prst="rect">
-            <a:avLst/>
-          </a:prstGeom>
-          <a:noFill/>
-          <a:ln>
-            <a:noFill/>
-          </a:ln>
-          <a:extLst>
-            <a:ext uri="{909E8E84-426E-40DD-AFC4-6F175D3DCCD1}">
-              <a14:hiddenFill xmlns:a14="http://schemas.microsoft.com/office/drawing/2010/main">
-                <a:solidFill>
-                  <a:srgbClr val="FFFFFF"/>
-                </a:solidFill>
-              </a14:hiddenFill>
-            </a:ext>
-            <a:ext uri="{91240B29-F687-4F45-9708-019B960494DF}">
-              <a14:hiddenLine xmlns:a14="http://schemas.microsoft.com/office/drawing/2010/main" w="9525">
-                <a:solidFill>
-                  <a:srgbClr val="000000"/>
-                </a:solidFill>
-                <a:miter lim="800000"/>
-                <a:headEnd/>
-                <a:tailEnd/>
-              </a14:hiddenLine>
-            </a:ext>
-          </a:extLst>
-        </p:spPr>
-      </p:pic>
-    </p:spTree>
-    <p:extLst>
-      <p:ext uri="{BB962C8B-B14F-4D97-AF65-F5344CB8AC3E}">
-        <p14:creationId xmlns:p14="http://schemas.microsoft.com/office/powerpoint/2010/main" val="4198248355"/>
-      </p:ext>
-    </p:extLst>
-  </p:cSld>
-  <p:clrMapOvr>
-    <a:masterClrMapping/>
-  </p:clrMapOvr>
-  <mc:AlternateContent xmlns:mc="http://schemas.openxmlformats.org/markup-compatibility/2006" xmlns:p14="http://schemas.microsoft.com/office/powerpoint/2010/main">
-    <mc:Choice Requires="p14">
-      <p:transition spd="slow" p14:dur="2000">
-        <p14:prism isContent="1"/>
-      </p:transition>
-    </mc:Choice>
-    <mc:Fallback xmlns="">
-      <p:transition spd="slow">
-        <p:fade/>
-      </p:transition>
-    </mc:Fallback>
-  </mc:AlternateContent>
-  <p:timing>
-    <p:tnLst>
-      <p:par>
-        <p:cTn id="1" dur="indefinite" restart="never" nodeType="tmRoot"/>
-      </p:par>
-    </p:tnLst>
-  </p:timing>
-</p:sld>
-</file>
-
-<file path=ppt/slides/slide26.xml><?xml version="1.0" encoding="utf-8"?>
-<p:sld xmlns:a="http://schemas.openxmlformats.org/drawingml/2006/main" xmlns:r="http://schemas.openxmlformats.org/officeDocument/2006/relationships" xmlns:p="http://schemas.openxmlformats.org/presentationml/2006/main">
-  <p:cSld>
-    <p:spTree>
-      <p:nvGrpSpPr>
-        <p:cNvPr id="1" name=""/>
-        <p:cNvGrpSpPr/>
-        <p:nvPr/>
-      </p:nvGrpSpPr>
-      <p:grpSpPr>
-        <a:xfrm>
-          <a:off x="0" y="0"/>
-          <a:ext cx="0" cy="0"/>
-          <a:chOff x="0" y="0"/>
-          <a:chExt cx="0" cy="0"/>
-        </a:xfrm>
-      </p:grpSpPr>
-      <p:sp>
-        <p:nvSpPr>
-          <p:cNvPr id="35842" name="Title 1"/>
-          <p:cNvSpPr>
-            <a:spLocks noGrp="1"/>
-          </p:cNvSpPr>
-          <p:nvPr>
-            <p:ph type="title"/>
-          </p:nvPr>
-        </p:nvSpPr>
-        <p:spPr/>
-        <p:txBody>
-          <a:bodyPr/>
-          <a:lstStyle/>
-          <a:p>
-            <a:r>
-              <a:rPr lang="en-US" altLang="zh-TW" smtClean="0"/>
-              <a:t>Character set</a:t>
-            </a:r>
-          </a:p>
-        </p:txBody>
-      </p:sp>
-      <p:sp>
-        <p:nvSpPr>
-          <p:cNvPr id="35843" name="Content Placeholder 2"/>
-          <p:cNvSpPr>
-            <a:spLocks noGrp="1"/>
-          </p:cNvSpPr>
-          <p:nvPr>
-            <p:ph idx="1"/>
-          </p:nvPr>
-        </p:nvSpPr>
-        <p:spPr/>
-        <p:txBody>
-          <a:bodyPr/>
-          <a:lstStyle/>
-          <a:p>
-            <a:r>
-              <a:rPr lang="en-US" altLang="zh-TW" dirty="0" smtClean="0"/>
-              <a:t>A character set is a set of symbols and encodings.</a:t>
-            </a:r>
-          </a:p>
-          <a:p>
-            <a:r>
-              <a:rPr lang="en-US" altLang="zh-TW" dirty="0" smtClean="0"/>
-              <a:t>Unicode is the most common way for character set.</a:t>
-            </a:r>
-          </a:p>
-          <a:p>
-            <a:r>
-              <a:rPr lang="en-US" altLang="zh-TW" dirty="0" smtClean="0"/>
-              <a:t>UTF-8 -&gt; utf8_general_ci</a:t>
-            </a:r>
-          </a:p>
-        </p:txBody>
-      </p:sp>
-    </p:spTree>
-    <p:extLst>
-      <p:ext uri="{BB962C8B-B14F-4D97-AF65-F5344CB8AC3E}">
-        <p14:creationId xmlns:p14="http://schemas.microsoft.com/office/powerpoint/2010/main" val="1009040393"/>
-      </p:ext>
-    </p:extLst>
-  </p:cSld>
-  <p:clrMapOvr>
-    <a:masterClrMapping/>
-  </p:clrMapOvr>
-  <mc:AlternateContent xmlns:mc="http://schemas.openxmlformats.org/markup-compatibility/2006" xmlns:p14="http://schemas.microsoft.com/office/powerpoint/2010/main">
-    <mc:Choice Requires="p14">
-      <p:transition spd="slow" p14:dur="2000">
-        <p14:prism isContent="1"/>
-      </p:transition>
-    </mc:Choice>
-    <mc:Fallback xmlns="">
-      <p:transition spd="slow">
-        <p:fade/>
-      </p:transition>
-    </mc:Fallback>
-  </mc:AlternateContent>
-  <p:timing>
-    <p:tnLst>
-      <p:par>
-        <p:cTn id="1" dur="indefinite" restart="never" nodeType="tmRoot"/>
-      </p:par>
-    </p:tnLst>
-  </p:timing>
-</p:sld>
-</file>
-
-<file path=ppt/slides/slide27.xml><?xml version="1.0" encoding="utf-8"?>
-<p:sld xmlns:a="http://schemas.openxmlformats.org/drawingml/2006/main" xmlns:r="http://schemas.openxmlformats.org/officeDocument/2006/relationships" xmlns:p="http://schemas.openxmlformats.org/presentationml/2006/main">
-  <p:cSld>
-    <p:spTree>
-      <p:nvGrpSpPr>
-        <p:cNvPr id="1" name=""/>
-        <p:cNvGrpSpPr/>
-        <p:nvPr/>
-      </p:nvGrpSpPr>
-      <p:grpSpPr>
-        <a:xfrm>
-          <a:off x="0" y="0"/>
-          <a:ext cx="0" cy="0"/>
-          <a:chOff x="0" y="0"/>
-          <a:chExt cx="0" cy="0"/>
-        </a:xfrm>
-      </p:grpSpPr>
-      <p:sp>
-        <p:nvSpPr>
-          <p:cNvPr id="36866" name="Title 1"/>
-          <p:cNvSpPr>
-            <a:spLocks noGrp="1"/>
-          </p:cNvSpPr>
-          <p:nvPr>
-            <p:ph type="title"/>
-          </p:nvPr>
-        </p:nvSpPr>
-        <p:spPr/>
-        <p:txBody>
-          <a:bodyPr/>
-          <a:lstStyle/>
-          <a:p>
-            <a:r>
-              <a:rPr lang="en-US" altLang="zh-TW" smtClean="0"/>
-              <a:t>Uni-code</a:t>
-            </a:r>
-          </a:p>
-        </p:txBody>
-      </p:sp>
-      <p:sp>
-        <p:nvSpPr>
-          <p:cNvPr id="36867" name="Content Placeholder 2"/>
-          <p:cNvSpPr>
-            <a:spLocks noGrp="1"/>
-          </p:cNvSpPr>
-          <p:nvPr>
-            <p:ph idx="1"/>
-          </p:nvPr>
-        </p:nvSpPr>
-        <p:spPr/>
-        <p:txBody>
-          <a:bodyPr/>
-          <a:lstStyle/>
-          <a:p>
-            <a:r>
-              <a:rPr lang="en-US" altLang="zh-TW" smtClean="0"/>
-              <a:t>MySQL 5.0 supports two character sets for storing Unicode data: </a:t>
-            </a:r>
-          </a:p>
-          <a:p>
-            <a:pPr lvl="1"/>
-            <a:r>
-              <a:rPr lang="en-US" altLang="zh-TW" smtClean="0"/>
-              <a:t>ucs2, the UCS-2 encoding of the Unicode character set using 16 bits per character </a:t>
-            </a:r>
-          </a:p>
-          <a:p>
-            <a:pPr lvl="1"/>
-            <a:r>
-              <a:rPr lang="en-US" altLang="zh-TW" smtClean="0"/>
-              <a:t>utf8, a UTF-8 encoding of the Unicode character set using one to three bytes per character </a:t>
-            </a:r>
-          </a:p>
-          <a:p>
-            <a:r>
-              <a:rPr lang="en-US" altLang="zh-TW" smtClean="0"/>
-              <a:t>They usually include a language name, and they end with _ci (case insensitive), _cs (case sensitive), or _bin (binary). </a:t>
-            </a:r>
-          </a:p>
-        </p:txBody>
-      </p:sp>
-    </p:spTree>
-    <p:extLst>
-      <p:ext uri="{BB962C8B-B14F-4D97-AF65-F5344CB8AC3E}">
-        <p14:creationId xmlns:p14="http://schemas.microsoft.com/office/powerpoint/2010/main" val="2532207627"/>
-      </p:ext>
-    </p:extLst>
-  </p:cSld>
-  <p:clrMapOvr>
-    <a:masterClrMapping/>
-  </p:clrMapOvr>
-  <mc:AlternateContent xmlns:mc="http://schemas.openxmlformats.org/markup-compatibility/2006" xmlns:p14="http://schemas.microsoft.com/office/powerpoint/2010/main">
-    <mc:Choice Requires="p14">
-      <p:transition spd="slow" p14:dur="2000">
-        <p14:prism isContent="1"/>
-      </p:transition>
-    </mc:Choice>
-    <mc:Fallback xmlns="">
-      <p:transition spd="slow">
-        <p:fade/>
-      </p:transition>
-    </mc:Fallback>
-  </mc:AlternateContent>
-  <p:timing>
-    <p:tnLst>
-      <p:par>
-        <p:cTn id="1" dur="indefinite" restart="never" nodeType="tmRoot"/>
-      </p:par>
-    </p:tnLst>
-  </p:timing>
-</p:sld>
-</file>
-
-<file path=ppt/slides/slide28.xml><?xml version="1.0" encoding="utf-8"?>
-<p:sld xmlns:a="http://schemas.openxmlformats.org/drawingml/2006/main" xmlns:r="http://schemas.openxmlformats.org/officeDocument/2006/relationships" xmlns:p="http://schemas.openxmlformats.org/presentationml/2006/main">
-  <p:cSld>
-    <p:spTree>
-      <p:nvGrpSpPr>
-        <p:cNvPr id="1" name=""/>
-        <p:cNvGrpSpPr/>
-        <p:nvPr/>
-      </p:nvGrpSpPr>
-      <p:grpSpPr>
-        <a:xfrm>
-          <a:off x="0" y="0"/>
-          <a:ext cx="0" cy="0"/>
-          <a:chOff x="0" y="0"/>
-          <a:chExt cx="0" cy="0"/>
-        </a:xfrm>
-      </p:grpSpPr>
-      <p:sp>
-        <p:nvSpPr>
           <p:cNvPr id="37890" name="Title 1"/>
           <p:cNvSpPr>
             <a:spLocks noGrp="1"/>
@@ -12519,7 +11856,7 @@
 </p:sld>
 </file>
 
-<file path=ppt/slides/slide29.xml><?xml version="1.0" encoding="utf-8"?>
+<file path=ppt/slides/slide24.xml><?xml version="1.0" encoding="utf-8"?>
 <p:sld xmlns:a="http://schemas.openxmlformats.org/drawingml/2006/main" xmlns:r="http://schemas.openxmlformats.org/officeDocument/2006/relationships" xmlns:p="http://schemas.openxmlformats.org/presentationml/2006/main">
   <p:cSld>
     <p:spTree>
@@ -12807,6 +12144,656 @@
 </p:sld>
 </file>
 
+<file path=ppt/slides/slide25.xml><?xml version="1.0" encoding="utf-8"?>
+<p:sld xmlns:a="http://schemas.openxmlformats.org/drawingml/2006/main" xmlns:r="http://schemas.openxmlformats.org/officeDocument/2006/relationships" xmlns:p="http://schemas.openxmlformats.org/presentationml/2006/main">
+  <p:cSld>
+    <p:spTree>
+      <p:nvGrpSpPr>
+        <p:cNvPr id="1" name=""/>
+        <p:cNvGrpSpPr/>
+        <p:nvPr/>
+      </p:nvGrpSpPr>
+      <p:grpSpPr>
+        <a:xfrm>
+          <a:off x="0" y="0"/>
+          <a:ext cx="0" cy="0"/>
+          <a:chOff x="0" y="0"/>
+          <a:chExt cx="0" cy="0"/>
+        </a:xfrm>
+      </p:grpSpPr>
+      <p:sp>
+        <p:nvSpPr>
+          <p:cNvPr id="39938" name="Rectangle 1026"/>
+          <p:cNvSpPr>
+            <a:spLocks noGrp="1" noChangeArrowheads="1"/>
+          </p:cNvSpPr>
+          <p:nvPr>
+            <p:ph type="title"/>
+          </p:nvPr>
+        </p:nvSpPr>
+        <p:spPr/>
+        <p:txBody>
+          <a:bodyPr/>
+          <a:lstStyle/>
+          <a:p>
+            <a:r>
+              <a:rPr lang="en-US" altLang="zh-TW" smtClean="0"/>
+              <a:t>Schemas</a:t>
+            </a:r>
+          </a:p>
+        </p:txBody>
+      </p:sp>
+      <p:sp>
+        <p:nvSpPr>
+          <p:cNvPr id="39939" name="Rectangle 1027"/>
+          <p:cNvSpPr>
+            <a:spLocks noGrp="1" noChangeArrowheads="1"/>
+          </p:cNvSpPr>
+          <p:nvPr>
+            <p:ph type="body" idx="1"/>
+          </p:nvPr>
+        </p:nvSpPr>
+        <p:spPr/>
+        <p:txBody>
+          <a:bodyPr>
+            <a:normAutofit lnSpcReduction="10000"/>
+          </a:bodyPr>
+          <a:lstStyle/>
+          <a:p>
+            <a:r>
+              <a:rPr lang="en-US" altLang="zh-TW" smtClean="0"/>
+              <a:t>complete set of table design</a:t>
+            </a:r>
+          </a:p>
+          <a:p>
+            <a:r>
+              <a:rPr lang="en-US" altLang="zh-TW" smtClean="0"/>
+              <a:t>test (id, message)</a:t>
+            </a:r>
+          </a:p>
+          <a:p>
+            <a:r>
+              <a:rPr lang="en-US" altLang="zh-TW" smtClean="0"/>
+              <a:t>Shows each data types of a column and indicate the primary key(underline)</a:t>
+            </a:r>
+          </a:p>
+          <a:p>
+            <a:r>
+              <a:rPr lang="en-US" altLang="zh-TW" smtClean="0"/>
+              <a:t>Primary key is the unique key in the table</a:t>
+            </a:r>
+          </a:p>
+          <a:p>
+            <a:r>
+              <a:rPr lang="en-US" altLang="zh-TW" smtClean="0"/>
+              <a:t>Eg. HKID is primary key, so there are many people can use your name but no one else can have the same HKID as you.</a:t>
+            </a:r>
+          </a:p>
+        </p:txBody>
+      </p:sp>
+    </p:spTree>
+    <p:extLst>
+      <p:ext uri="{BB962C8B-B14F-4D97-AF65-F5344CB8AC3E}">
+        <p14:creationId xmlns:p14="http://schemas.microsoft.com/office/powerpoint/2010/main" val="4032456766"/>
+      </p:ext>
+    </p:extLst>
+  </p:cSld>
+  <p:clrMapOvr>
+    <a:masterClrMapping/>
+  </p:clrMapOvr>
+  <mc:AlternateContent xmlns:mc="http://schemas.openxmlformats.org/markup-compatibility/2006" xmlns:p14="http://schemas.microsoft.com/office/powerpoint/2010/main">
+    <mc:Choice Requires="p14">
+      <p:transition spd="slow" p14:dur="2000">
+        <p14:prism isContent="1"/>
+      </p:transition>
+    </mc:Choice>
+    <mc:Fallback xmlns="">
+      <p:transition spd="slow">
+        <p:fade/>
+      </p:transition>
+    </mc:Fallback>
+  </mc:AlternateContent>
+  <p:timing>
+    <p:tnLst>
+      <p:par>
+        <p:cTn id="1" dur="indefinite" restart="never" nodeType="tmRoot"/>
+      </p:par>
+    </p:tnLst>
+  </p:timing>
+</p:sld>
+</file>
+
+<file path=ppt/slides/slide26.xml><?xml version="1.0" encoding="utf-8"?>
+<p:sld xmlns:a="http://schemas.openxmlformats.org/drawingml/2006/main" xmlns:r="http://schemas.openxmlformats.org/officeDocument/2006/relationships" xmlns:p="http://schemas.openxmlformats.org/presentationml/2006/main">
+  <p:cSld>
+    <p:spTree>
+      <p:nvGrpSpPr>
+        <p:cNvPr id="1" name=""/>
+        <p:cNvGrpSpPr/>
+        <p:nvPr/>
+      </p:nvGrpSpPr>
+      <p:grpSpPr>
+        <a:xfrm>
+          <a:off x="0" y="0"/>
+          <a:ext cx="0" cy="0"/>
+          <a:chOff x="0" y="0"/>
+          <a:chExt cx="0" cy="0"/>
+        </a:xfrm>
+      </p:grpSpPr>
+      <p:sp>
+        <p:nvSpPr>
+          <p:cNvPr id="40962" name="Title 1"/>
+          <p:cNvSpPr>
+            <a:spLocks noGrp="1"/>
+          </p:cNvSpPr>
+          <p:nvPr>
+            <p:ph type="title"/>
+          </p:nvPr>
+        </p:nvSpPr>
+        <p:spPr/>
+        <p:txBody>
+          <a:bodyPr/>
+          <a:lstStyle/>
+          <a:p>
+            <a:r>
+              <a:rPr lang="en-US" altLang="zh-TW" smtClean="0"/>
+              <a:t>Steps to create database</a:t>
+            </a:r>
+          </a:p>
+        </p:txBody>
+      </p:sp>
+      <p:sp>
+        <p:nvSpPr>
+          <p:cNvPr id="40963" name="Content Placeholder 2"/>
+          <p:cNvSpPr>
+            <a:spLocks noGrp="1"/>
+          </p:cNvSpPr>
+          <p:nvPr>
+            <p:ph idx="1"/>
+          </p:nvPr>
+        </p:nvSpPr>
+        <p:spPr/>
+        <p:txBody>
+          <a:bodyPr/>
+          <a:lstStyle/>
+          <a:p>
+            <a:r>
+              <a:rPr lang="en-US" altLang="zh-TW" smtClean="0"/>
+              <a:t>Create database</a:t>
+            </a:r>
+          </a:p>
+          <a:p>
+            <a:r>
+              <a:rPr lang="en-US" altLang="zh-TW" smtClean="0"/>
+              <a:t>Create table</a:t>
+            </a:r>
+          </a:p>
+          <a:p>
+            <a:r>
+              <a:rPr lang="en-US" altLang="zh-TW" smtClean="0"/>
+              <a:t>Create fields</a:t>
+            </a:r>
+          </a:p>
+          <a:p>
+            <a:endParaRPr lang="en-US" altLang="zh-TW" smtClean="0"/>
+          </a:p>
+        </p:txBody>
+      </p:sp>
+    </p:spTree>
+    <p:extLst>
+      <p:ext uri="{BB962C8B-B14F-4D97-AF65-F5344CB8AC3E}">
+        <p14:creationId xmlns:p14="http://schemas.microsoft.com/office/powerpoint/2010/main" val="4189629837"/>
+      </p:ext>
+    </p:extLst>
+  </p:cSld>
+  <p:clrMapOvr>
+    <a:masterClrMapping/>
+  </p:clrMapOvr>
+  <mc:AlternateContent xmlns:mc="http://schemas.openxmlformats.org/markup-compatibility/2006" xmlns:p14="http://schemas.microsoft.com/office/powerpoint/2010/main">
+    <mc:Choice Requires="p14">
+      <p:transition spd="slow" p14:dur="2000">
+        <p14:prism isContent="1"/>
+      </p:transition>
+    </mc:Choice>
+    <mc:Fallback xmlns="">
+      <p:transition spd="slow">
+        <p:fade/>
+      </p:transition>
+    </mc:Fallback>
+  </mc:AlternateContent>
+  <p:timing>
+    <p:tnLst>
+      <p:par>
+        <p:cTn id="1" dur="indefinite" restart="never" nodeType="tmRoot"/>
+      </p:par>
+    </p:tnLst>
+  </p:timing>
+</p:sld>
+</file>
+
+<file path=ppt/slides/slide27.xml><?xml version="1.0" encoding="utf-8"?>
+<p:sld xmlns:a="http://schemas.openxmlformats.org/drawingml/2006/main" xmlns:r="http://schemas.openxmlformats.org/officeDocument/2006/relationships" xmlns:p="http://schemas.openxmlformats.org/presentationml/2006/main">
+  <p:cSld>
+    <p:spTree>
+      <p:nvGrpSpPr>
+        <p:cNvPr id="1" name=""/>
+        <p:cNvGrpSpPr/>
+        <p:nvPr/>
+      </p:nvGrpSpPr>
+      <p:grpSpPr>
+        <a:xfrm>
+          <a:off x="0" y="0"/>
+          <a:ext cx="0" cy="0"/>
+          <a:chOff x="0" y="0"/>
+          <a:chExt cx="0" cy="0"/>
+        </a:xfrm>
+      </p:grpSpPr>
+      <p:sp>
+        <p:nvSpPr>
+          <p:cNvPr id="2" name="Title 1"/>
+          <p:cNvSpPr>
+            <a:spLocks noGrp="1"/>
+          </p:cNvSpPr>
+          <p:nvPr>
+            <p:ph type="title"/>
+          </p:nvPr>
+        </p:nvSpPr>
+        <p:spPr/>
+        <p:txBody>
+          <a:bodyPr/>
+          <a:lstStyle/>
+          <a:p>
+            <a:endParaRPr lang="zh-HK" altLang="en-US"/>
+          </a:p>
+        </p:txBody>
+      </p:sp>
+      <p:sp>
+        <p:nvSpPr>
+          <p:cNvPr id="3" name="Content Placeholder 2"/>
+          <p:cNvSpPr>
+            <a:spLocks noGrp="1"/>
+          </p:cNvSpPr>
+          <p:nvPr>
+            <p:ph idx="1"/>
+          </p:nvPr>
+        </p:nvSpPr>
+        <p:spPr/>
+        <p:txBody>
+          <a:bodyPr/>
+          <a:lstStyle/>
+          <a:p>
+            <a:endParaRPr lang="zh-HK" altLang="en-US"/>
+          </a:p>
+        </p:txBody>
+      </p:sp>
+      <p:pic>
+        <p:nvPicPr>
+          <p:cNvPr id="41988" name="Picture 7" descr="C:\Users\hatted\Desktop\php\images\phpmyadmin09.jpg"/>
+          <p:cNvPicPr>
+            <a:picLocks noChangeAspect="1" noChangeArrowheads="1"/>
+          </p:cNvPicPr>
+          <p:nvPr/>
+        </p:nvPicPr>
+        <p:blipFill>
+          <a:blip r:embed="rId2">
+            <a:extLst>
+              <a:ext uri="{28A0092B-C50C-407E-A947-70E740481C1C}">
+                <a14:useLocalDpi xmlns:a14="http://schemas.microsoft.com/office/drawing/2010/main" val="0"/>
+              </a:ext>
+            </a:extLst>
+          </a:blip>
+          <a:srcRect l="19588" t="14761" r="2061" b="8025"/>
+          <a:stretch>
+            <a:fillRect/>
+          </a:stretch>
+        </p:blipFill>
+        <p:spPr bwMode="auto">
+          <a:xfrm>
+            <a:off x="214313" y="201613"/>
+            <a:ext cx="8715375" cy="6442075"/>
+          </a:xfrm>
+          <a:prstGeom prst="rect">
+            <a:avLst/>
+          </a:prstGeom>
+          <a:noFill/>
+          <a:ln>
+            <a:noFill/>
+          </a:ln>
+          <a:extLst>
+            <a:ext uri="{909E8E84-426E-40DD-AFC4-6F175D3DCCD1}">
+              <a14:hiddenFill xmlns:a14="http://schemas.microsoft.com/office/drawing/2010/main">
+                <a:solidFill>
+                  <a:srgbClr val="FFFFFF"/>
+                </a:solidFill>
+              </a14:hiddenFill>
+            </a:ext>
+            <a:ext uri="{91240B29-F687-4F45-9708-019B960494DF}">
+              <a14:hiddenLine xmlns:a14="http://schemas.microsoft.com/office/drawing/2010/main" w="9525">
+                <a:solidFill>
+                  <a:srgbClr val="000000"/>
+                </a:solidFill>
+                <a:miter lim="800000"/>
+                <a:headEnd/>
+                <a:tailEnd/>
+              </a14:hiddenLine>
+            </a:ext>
+          </a:extLst>
+        </p:spPr>
+      </p:pic>
+    </p:spTree>
+    <p:extLst>
+      <p:ext uri="{BB962C8B-B14F-4D97-AF65-F5344CB8AC3E}">
+        <p14:creationId xmlns:p14="http://schemas.microsoft.com/office/powerpoint/2010/main" val="4235292218"/>
+      </p:ext>
+    </p:extLst>
+  </p:cSld>
+  <p:clrMapOvr>
+    <a:masterClrMapping/>
+  </p:clrMapOvr>
+  <mc:AlternateContent xmlns:mc="http://schemas.openxmlformats.org/markup-compatibility/2006" xmlns:p14="http://schemas.microsoft.com/office/powerpoint/2010/main">
+    <mc:Choice Requires="p14">
+      <p:transition spd="slow" p14:dur="2000">
+        <p14:prism isContent="1"/>
+      </p:transition>
+    </mc:Choice>
+    <mc:Fallback xmlns="">
+      <p:transition spd="slow">
+        <p:fade/>
+      </p:transition>
+    </mc:Fallback>
+  </mc:AlternateContent>
+  <p:timing>
+    <p:tnLst>
+      <p:par>
+        <p:cTn id="1" dur="indefinite" restart="never" nodeType="tmRoot"/>
+      </p:par>
+    </p:tnLst>
+  </p:timing>
+</p:sld>
+</file>
+
+<file path=ppt/slides/slide28.xml><?xml version="1.0" encoding="utf-8"?>
+<p:sld xmlns:a="http://schemas.openxmlformats.org/drawingml/2006/main" xmlns:r="http://schemas.openxmlformats.org/officeDocument/2006/relationships" xmlns:p="http://schemas.openxmlformats.org/presentationml/2006/main">
+  <p:cSld>
+    <p:spTree>
+      <p:nvGrpSpPr>
+        <p:cNvPr id="1" name=""/>
+        <p:cNvGrpSpPr/>
+        <p:nvPr/>
+      </p:nvGrpSpPr>
+      <p:grpSpPr>
+        <a:xfrm>
+          <a:off x="0" y="0"/>
+          <a:ext cx="0" cy="0"/>
+          <a:chOff x="0" y="0"/>
+          <a:chExt cx="0" cy="0"/>
+        </a:xfrm>
+      </p:grpSpPr>
+      <p:sp>
+        <p:nvSpPr>
+          <p:cNvPr id="2" name="Title 1"/>
+          <p:cNvSpPr>
+            <a:spLocks noGrp="1"/>
+          </p:cNvSpPr>
+          <p:nvPr>
+            <p:ph type="title"/>
+          </p:nvPr>
+        </p:nvSpPr>
+        <p:spPr/>
+        <p:txBody>
+          <a:bodyPr/>
+          <a:lstStyle/>
+          <a:p>
+            <a:endParaRPr lang="zh-HK" altLang="en-US"/>
+          </a:p>
+        </p:txBody>
+      </p:sp>
+      <p:sp>
+        <p:nvSpPr>
+          <p:cNvPr id="3" name="Content Placeholder 2"/>
+          <p:cNvSpPr>
+            <a:spLocks noGrp="1"/>
+          </p:cNvSpPr>
+          <p:nvPr>
+            <p:ph idx="1"/>
+          </p:nvPr>
+        </p:nvSpPr>
+        <p:spPr/>
+        <p:txBody>
+          <a:bodyPr/>
+          <a:lstStyle/>
+          <a:p>
+            <a:endParaRPr lang="zh-HK" altLang="en-US"/>
+          </a:p>
+        </p:txBody>
+      </p:sp>
+      <p:pic>
+        <p:nvPicPr>
+          <p:cNvPr id="43012" name="Picture 3" descr="C:\Users\hatted\Desktop\php\images\phpmyadmin10.jpg"/>
+          <p:cNvPicPr>
+            <a:picLocks noChangeAspect="1" noChangeArrowheads="1"/>
+          </p:cNvPicPr>
+          <p:nvPr/>
+        </p:nvPicPr>
+        <p:blipFill>
+          <a:blip r:embed="rId2">
+            <a:extLst>
+              <a:ext uri="{28A0092B-C50C-407E-A947-70E740481C1C}">
+                <a14:useLocalDpi xmlns:a14="http://schemas.microsoft.com/office/drawing/2010/main" val="0"/>
+              </a:ext>
+            </a:extLst>
+          </a:blip>
+          <a:srcRect l="20354" t="14380" r="1659" b="7079"/>
+          <a:stretch>
+            <a:fillRect/>
+          </a:stretch>
+        </p:blipFill>
+        <p:spPr bwMode="auto">
+          <a:xfrm>
+            <a:off x="142875" y="77788"/>
+            <a:ext cx="8786813" cy="6637337"/>
+          </a:xfrm>
+          <a:prstGeom prst="rect">
+            <a:avLst/>
+          </a:prstGeom>
+          <a:noFill/>
+          <a:ln>
+            <a:noFill/>
+          </a:ln>
+          <a:extLst>
+            <a:ext uri="{909E8E84-426E-40DD-AFC4-6F175D3DCCD1}">
+              <a14:hiddenFill xmlns:a14="http://schemas.microsoft.com/office/drawing/2010/main">
+                <a:solidFill>
+                  <a:srgbClr val="FFFFFF"/>
+                </a:solidFill>
+              </a14:hiddenFill>
+            </a:ext>
+            <a:ext uri="{91240B29-F687-4F45-9708-019B960494DF}">
+              <a14:hiddenLine xmlns:a14="http://schemas.microsoft.com/office/drawing/2010/main" w="9525">
+                <a:solidFill>
+                  <a:srgbClr val="000000"/>
+                </a:solidFill>
+                <a:miter lim="800000"/>
+                <a:headEnd/>
+                <a:tailEnd/>
+              </a14:hiddenLine>
+            </a:ext>
+          </a:extLst>
+        </p:spPr>
+      </p:pic>
+    </p:spTree>
+    <p:extLst>
+      <p:ext uri="{BB962C8B-B14F-4D97-AF65-F5344CB8AC3E}">
+        <p14:creationId xmlns:p14="http://schemas.microsoft.com/office/powerpoint/2010/main" val="3785469138"/>
+      </p:ext>
+    </p:extLst>
+  </p:cSld>
+  <p:clrMapOvr>
+    <a:masterClrMapping/>
+  </p:clrMapOvr>
+  <mc:AlternateContent xmlns:mc="http://schemas.openxmlformats.org/markup-compatibility/2006" xmlns:p14="http://schemas.microsoft.com/office/powerpoint/2010/main">
+    <mc:Choice Requires="p14">
+      <p:transition spd="slow" p14:dur="2000">
+        <p14:prism isContent="1"/>
+      </p:transition>
+    </mc:Choice>
+    <mc:Fallback xmlns="">
+      <p:transition spd="slow">
+        <p:fade/>
+      </p:transition>
+    </mc:Fallback>
+  </mc:AlternateContent>
+  <p:timing>
+    <p:tnLst>
+      <p:par>
+        <p:cTn id="1" dur="indefinite" restart="never" nodeType="tmRoot"/>
+      </p:par>
+    </p:tnLst>
+  </p:timing>
+</p:sld>
+</file>
+
+<file path=ppt/slides/slide29.xml><?xml version="1.0" encoding="utf-8"?>
+<p:sld xmlns:a="http://schemas.openxmlformats.org/drawingml/2006/main" xmlns:r="http://schemas.openxmlformats.org/officeDocument/2006/relationships" xmlns:p="http://schemas.openxmlformats.org/presentationml/2006/main">
+  <p:cSld>
+    <p:spTree>
+      <p:nvGrpSpPr>
+        <p:cNvPr id="1" name=""/>
+        <p:cNvGrpSpPr/>
+        <p:nvPr/>
+      </p:nvGrpSpPr>
+      <p:grpSpPr>
+        <a:xfrm>
+          <a:off x="0" y="0"/>
+          <a:ext cx="0" cy="0"/>
+          <a:chOff x="0" y="0"/>
+          <a:chExt cx="0" cy="0"/>
+        </a:xfrm>
+      </p:grpSpPr>
+      <p:sp>
+        <p:nvSpPr>
+          <p:cNvPr id="2" name="Title 1"/>
+          <p:cNvSpPr>
+            <a:spLocks noGrp="1"/>
+          </p:cNvSpPr>
+          <p:nvPr>
+            <p:ph type="title"/>
+          </p:nvPr>
+        </p:nvSpPr>
+        <p:spPr/>
+        <p:txBody>
+          <a:bodyPr/>
+          <a:lstStyle/>
+          <a:p>
+            <a:endParaRPr lang="zh-HK" altLang="en-US"/>
+          </a:p>
+        </p:txBody>
+      </p:sp>
+      <p:sp>
+        <p:nvSpPr>
+          <p:cNvPr id="3" name="Content Placeholder 2"/>
+          <p:cNvSpPr>
+            <a:spLocks noGrp="1"/>
+          </p:cNvSpPr>
+          <p:nvPr>
+            <p:ph idx="1"/>
+          </p:nvPr>
+        </p:nvSpPr>
+        <p:spPr/>
+        <p:txBody>
+          <a:bodyPr/>
+          <a:lstStyle/>
+          <a:p>
+            <a:endParaRPr lang="zh-HK" altLang="en-US"/>
+          </a:p>
+        </p:txBody>
+      </p:sp>
+      <p:pic>
+        <p:nvPicPr>
+          <p:cNvPr id="44036" name="Picture 5"/>
+          <p:cNvPicPr>
+            <a:picLocks noChangeAspect="1" noChangeArrowheads="1"/>
+          </p:cNvPicPr>
+          <p:nvPr/>
+        </p:nvPicPr>
+        <p:blipFill>
+          <a:blip r:embed="rId2">
+            <a:extLst>
+              <a:ext uri="{28A0092B-C50C-407E-A947-70E740481C1C}">
+                <a14:useLocalDpi xmlns:a14="http://schemas.microsoft.com/office/drawing/2010/main" val="0"/>
+              </a:ext>
+            </a:extLst>
+          </a:blip>
+          <a:srcRect/>
+          <a:stretch>
+            <a:fillRect/>
+          </a:stretch>
+        </p:blipFill>
+        <p:spPr bwMode="auto">
+          <a:xfrm>
+            <a:off x="333375" y="428625"/>
+            <a:ext cx="8382000" cy="6381750"/>
+          </a:xfrm>
+          <a:prstGeom prst="rect">
+            <a:avLst/>
+          </a:prstGeom>
+          <a:noFill/>
+          <a:ln>
+            <a:noFill/>
+          </a:ln>
+          <a:extLst>
+            <a:ext uri="{909E8E84-426E-40DD-AFC4-6F175D3DCCD1}">
+              <a14:hiddenFill xmlns:a14="http://schemas.microsoft.com/office/drawing/2010/main">
+                <a:solidFill>
+                  <a:srgbClr val="FFFFFF"/>
+                </a:solidFill>
+              </a14:hiddenFill>
+            </a:ext>
+            <a:ext uri="{91240B29-F687-4F45-9708-019B960494DF}">
+              <a14:hiddenLine xmlns:a14="http://schemas.microsoft.com/office/drawing/2010/main" w="9525">
+                <a:solidFill>
+                  <a:srgbClr val="000000"/>
+                </a:solidFill>
+                <a:miter lim="800000"/>
+                <a:headEnd/>
+                <a:tailEnd/>
+              </a14:hiddenLine>
+            </a:ext>
+          </a:extLst>
+        </p:spPr>
+      </p:pic>
+    </p:spTree>
+    <p:extLst>
+      <p:ext uri="{BB962C8B-B14F-4D97-AF65-F5344CB8AC3E}">
+        <p14:creationId xmlns:p14="http://schemas.microsoft.com/office/powerpoint/2010/main" val="3561272355"/>
+      </p:ext>
+    </p:extLst>
+  </p:cSld>
+  <p:clrMapOvr>
+    <a:masterClrMapping/>
+  </p:clrMapOvr>
+  <mc:AlternateContent xmlns:mc="http://schemas.openxmlformats.org/markup-compatibility/2006" xmlns:p14="http://schemas.microsoft.com/office/powerpoint/2010/main">
+    <mc:Choice Requires="p14">
+      <p:transition spd="slow" p14:dur="2000">
+        <p14:prism isContent="1"/>
+      </p:transition>
+    </mc:Choice>
+    <mc:Fallback xmlns="">
+      <p:transition spd="slow">
+        <p:fade/>
+      </p:transition>
+    </mc:Fallback>
+  </mc:AlternateContent>
+  <p:timing>
+    <p:tnLst>
+      <p:par>
+        <p:cTn id="1" dur="indefinite" restart="never" nodeType="tmRoot"/>
+      </p:par>
+    </p:tnLst>
+  </p:timing>
+</p:sld>
+</file>
+
 <file path=ppt/slides/slide3.xml><?xml version="1.0" encoding="utf-8"?>
 <p:sld xmlns:a="http://schemas.openxmlformats.org/drawingml/2006/main" xmlns:r="http://schemas.openxmlformats.org/officeDocument/2006/relationships" xmlns:p="http://schemas.openxmlformats.org/presentationml/2006/main">
   <p:cSld>
@@ -12946,656 +12933,6 @@
       </p:grpSpPr>
       <p:sp>
         <p:nvSpPr>
-          <p:cNvPr id="39938" name="Rectangle 1026"/>
-          <p:cNvSpPr>
-            <a:spLocks noGrp="1" noChangeArrowheads="1"/>
-          </p:cNvSpPr>
-          <p:nvPr>
-            <p:ph type="title"/>
-          </p:nvPr>
-        </p:nvSpPr>
-        <p:spPr/>
-        <p:txBody>
-          <a:bodyPr/>
-          <a:lstStyle/>
-          <a:p>
-            <a:r>
-              <a:rPr lang="en-US" altLang="zh-TW" smtClean="0"/>
-              <a:t>Schemas</a:t>
-            </a:r>
-          </a:p>
-        </p:txBody>
-      </p:sp>
-      <p:sp>
-        <p:nvSpPr>
-          <p:cNvPr id="39939" name="Rectangle 1027"/>
-          <p:cNvSpPr>
-            <a:spLocks noGrp="1" noChangeArrowheads="1"/>
-          </p:cNvSpPr>
-          <p:nvPr>
-            <p:ph type="body" idx="1"/>
-          </p:nvPr>
-        </p:nvSpPr>
-        <p:spPr/>
-        <p:txBody>
-          <a:bodyPr>
-            <a:normAutofit lnSpcReduction="10000"/>
-          </a:bodyPr>
-          <a:lstStyle/>
-          <a:p>
-            <a:r>
-              <a:rPr lang="en-US" altLang="zh-TW" smtClean="0"/>
-              <a:t>complete set of table design</a:t>
-            </a:r>
-          </a:p>
-          <a:p>
-            <a:r>
-              <a:rPr lang="en-US" altLang="zh-TW" smtClean="0"/>
-              <a:t>test (id, message)</a:t>
-            </a:r>
-          </a:p>
-          <a:p>
-            <a:r>
-              <a:rPr lang="en-US" altLang="zh-TW" smtClean="0"/>
-              <a:t>Shows each data types of a column and indicate the primary key(underline)</a:t>
-            </a:r>
-          </a:p>
-          <a:p>
-            <a:r>
-              <a:rPr lang="en-US" altLang="zh-TW" smtClean="0"/>
-              <a:t>Primary key is the unique key in the table</a:t>
-            </a:r>
-          </a:p>
-          <a:p>
-            <a:r>
-              <a:rPr lang="en-US" altLang="zh-TW" smtClean="0"/>
-              <a:t>Eg. HKID is primary key, so there are many people can use your name but no one else can have the same HKID as you.</a:t>
-            </a:r>
-          </a:p>
-        </p:txBody>
-      </p:sp>
-    </p:spTree>
-    <p:extLst>
-      <p:ext uri="{BB962C8B-B14F-4D97-AF65-F5344CB8AC3E}">
-        <p14:creationId xmlns:p14="http://schemas.microsoft.com/office/powerpoint/2010/main" val="4032456766"/>
-      </p:ext>
-    </p:extLst>
-  </p:cSld>
-  <p:clrMapOvr>
-    <a:masterClrMapping/>
-  </p:clrMapOvr>
-  <mc:AlternateContent xmlns:mc="http://schemas.openxmlformats.org/markup-compatibility/2006" xmlns:p14="http://schemas.microsoft.com/office/powerpoint/2010/main">
-    <mc:Choice Requires="p14">
-      <p:transition spd="slow" p14:dur="2000">
-        <p14:prism isContent="1"/>
-      </p:transition>
-    </mc:Choice>
-    <mc:Fallback xmlns="">
-      <p:transition spd="slow">
-        <p:fade/>
-      </p:transition>
-    </mc:Fallback>
-  </mc:AlternateContent>
-  <p:timing>
-    <p:tnLst>
-      <p:par>
-        <p:cTn id="1" dur="indefinite" restart="never" nodeType="tmRoot"/>
-      </p:par>
-    </p:tnLst>
-  </p:timing>
-</p:sld>
-</file>
-
-<file path=ppt/slides/slide31.xml><?xml version="1.0" encoding="utf-8"?>
-<p:sld xmlns:a="http://schemas.openxmlformats.org/drawingml/2006/main" xmlns:r="http://schemas.openxmlformats.org/officeDocument/2006/relationships" xmlns:p="http://schemas.openxmlformats.org/presentationml/2006/main">
-  <p:cSld>
-    <p:spTree>
-      <p:nvGrpSpPr>
-        <p:cNvPr id="1" name=""/>
-        <p:cNvGrpSpPr/>
-        <p:nvPr/>
-      </p:nvGrpSpPr>
-      <p:grpSpPr>
-        <a:xfrm>
-          <a:off x="0" y="0"/>
-          <a:ext cx="0" cy="0"/>
-          <a:chOff x="0" y="0"/>
-          <a:chExt cx="0" cy="0"/>
-        </a:xfrm>
-      </p:grpSpPr>
-      <p:sp>
-        <p:nvSpPr>
-          <p:cNvPr id="40962" name="Title 1"/>
-          <p:cNvSpPr>
-            <a:spLocks noGrp="1"/>
-          </p:cNvSpPr>
-          <p:nvPr>
-            <p:ph type="title"/>
-          </p:nvPr>
-        </p:nvSpPr>
-        <p:spPr/>
-        <p:txBody>
-          <a:bodyPr/>
-          <a:lstStyle/>
-          <a:p>
-            <a:r>
-              <a:rPr lang="en-US" altLang="zh-TW" smtClean="0"/>
-              <a:t>Steps to create database</a:t>
-            </a:r>
-          </a:p>
-        </p:txBody>
-      </p:sp>
-      <p:sp>
-        <p:nvSpPr>
-          <p:cNvPr id="40963" name="Content Placeholder 2"/>
-          <p:cNvSpPr>
-            <a:spLocks noGrp="1"/>
-          </p:cNvSpPr>
-          <p:nvPr>
-            <p:ph idx="1"/>
-          </p:nvPr>
-        </p:nvSpPr>
-        <p:spPr/>
-        <p:txBody>
-          <a:bodyPr/>
-          <a:lstStyle/>
-          <a:p>
-            <a:r>
-              <a:rPr lang="en-US" altLang="zh-TW" smtClean="0"/>
-              <a:t>Create database</a:t>
-            </a:r>
-          </a:p>
-          <a:p>
-            <a:r>
-              <a:rPr lang="en-US" altLang="zh-TW" smtClean="0"/>
-              <a:t>Create table</a:t>
-            </a:r>
-          </a:p>
-          <a:p>
-            <a:r>
-              <a:rPr lang="en-US" altLang="zh-TW" smtClean="0"/>
-              <a:t>Create fields</a:t>
-            </a:r>
-          </a:p>
-          <a:p>
-            <a:endParaRPr lang="en-US" altLang="zh-TW" smtClean="0"/>
-          </a:p>
-        </p:txBody>
-      </p:sp>
-    </p:spTree>
-    <p:extLst>
-      <p:ext uri="{BB962C8B-B14F-4D97-AF65-F5344CB8AC3E}">
-        <p14:creationId xmlns:p14="http://schemas.microsoft.com/office/powerpoint/2010/main" val="4189629837"/>
-      </p:ext>
-    </p:extLst>
-  </p:cSld>
-  <p:clrMapOvr>
-    <a:masterClrMapping/>
-  </p:clrMapOvr>
-  <mc:AlternateContent xmlns:mc="http://schemas.openxmlformats.org/markup-compatibility/2006" xmlns:p14="http://schemas.microsoft.com/office/powerpoint/2010/main">
-    <mc:Choice Requires="p14">
-      <p:transition spd="slow" p14:dur="2000">
-        <p14:prism isContent="1"/>
-      </p:transition>
-    </mc:Choice>
-    <mc:Fallback xmlns="">
-      <p:transition spd="slow">
-        <p:fade/>
-      </p:transition>
-    </mc:Fallback>
-  </mc:AlternateContent>
-  <p:timing>
-    <p:tnLst>
-      <p:par>
-        <p:cTn id="1" dur="indefinite" restart="never" nodeType="tmRoot"/>
-      </p:par>
-    </p:tnLst>
-  </p:timing>
-</p:sld>
-</file>
-
-<file path=ppt/slides/slide32.xml><?xml version="1.0" encoding="utf-8"?>
-<p:sld xmlns:a="http://schemas.openxmlformats.org/drawingml/2006/main" xmlns:r="http://schemas.openxmlformats.org/officeDocument/2006/relationships" xmlns:p="http://schemas.openxmlformats.org/presentationml/2006/main">
-  <p:cSld>
-    <p:spTree>
-      <p:nvGrpSpPr>
-        <p:cNvPr id="1" name=""/>
-        <p:cNvGrpSpPr/>
-        <p:nvPr/>
-      </p:nvGrpSpPr>
-      <p:grpSpPr>
-        <a:xfrm>
-          <a:off x="0" y="0"/>
-          <a:ext cx="0" cy="0"/>
-          <a:chOff x="0" y="0"/>
-          <a:chExt cx="0" cy="0"/>
-        </a:xfrm>
-      </p:grpSpPr>
-      <p:sp>
-        <p:nvSpPr>
-          <p:cNvPr id="2" name="Title 1"/>
-          <p:cNvSpPr>
-            <a:spLocks noGrp="1"/>
-          </p:cNvSpPr>
-          <p:nvPr>
-            <p:ph type="title"/>
-          </p:nvPr>
-        </p:nvSpPr>
-        <p:spPr/>
-        <p:txBody>
-          <a:bodyPr/>
-          <a:lstStyle/>
-          <a:p>
-            <a:endParaRPr lang="zh-HK" altLang="en-US"/>
-          </a:p>
-        </p:txBody>
-      </p:sp>
-      <p:sp>
-        <p:nvSpPr>
-          <p:cNvPr id="3" name="Content Placeholder 2"/>
-          <p:cNvSpPr>
-            <a:spLocks noGrp="1"/>
-          </p:cNvSpPr>
-          <p:nvPr>
-            <p:ph idx="1"/>
-          </p:nvPr>
-        </p:nvSpPr>
-        <p:spPr/>
-        <p:txBody>
-          <a:bodyPr/>
-          <a:lstStyle/>
-          <a:p>
-            <a:endParaRPr lang="zh-HK" altLang="en-US"/>
-          </a:p>
-        </p:txBody>
-      </p:sp>
-      <p:pic>
-        <p:nvPicPr>
-          <p:cNvPr id="41988" name="Picture 7" descr="C:\Users\hatted\Desktop\php\images\phpmyadmin09.jpg"/>
-          <p:cNvPicPr>
-            <a:picLocks noChangeAspect="1" noChangeArrowheads="1"/>
-          </p:cNvPicPr>
-          <p:nvPr/>
-        </p:nvPicPr>
-        <p:blipFill>
-          <a:blip r:embed="rId2">
-            <a:extLst>
-              <a:ext uri="{28A0092B-C50C-407E-A947-70E740481C1C}">
-                <a14:useLocalDpi xmlns:a14="http://schemas.microsoft.com/office/drawing/2010/main" val="0"/>
-              </a:ext>
-            </a:extLst>
-          </a:blip>
-          <a:srcRect l="19588" t="14761" r="2061" b="8025"/>
-          <a:stretch>
-            <a:fillRect/>
-          </a:stretch>
-        </p:blipFill>
-        <p:spPr bwMode="auto">
-          <a:xfrm>
-            <a:off x="214313" y="201613"/>
-            <a:ext cx="8715375" cy="6442075"/>
-          </a:xfrm>
-          <a:prstGeom prst="rect">
-            <a:avLst/>
-          </a:prstGeom>
-          <a:noFill/>
-          <a:ln>
-            <a:noFill/>
-          </a:ln>
-          <a:extLst>
-            <a:ext uri="{909E8E84-426E-40DD-AFC4-6F175D3DCCD1}">
-              <a14:hiddenFill xmlns:a14="http://schemas.microsoft.com/office/drawing/2010/main">
-                <a:solidFill>
-                  <a:srgbClr val="FFFFFF"/>
-                </a:solidFill>
-              </a14:hiddenFill>
-            </a:ext>
-            <a:ext uri="{91240B29-F687-4F45-9708-019B960494DF}">
-              <a14:hiddenLine xmlns:a14="http://schemas.microsoft.com/office/drawing/2010/main" w="9525">
-                <a:solidFill>
-                  <a:srgbClr val="000000"/>
-                </a:solidFill>
-                <a:miter lim="800000"/>
-                <a:headEnd/>
-                <a:tailEnd/>
-              </a14:hiddenLine>
-            </a:ext>
-          </a:extLst>
-        </p:spPr>
-      </p:pic>
-    </p:spTree>
-    <p:extLst>
-      <p:ext uri="{BB962C8B-B14F-4D97-AF65-F5344CB8AC3E}">
-        <p14:creationId xmlns:p14="http://schemas.microsoft.com/office/powerpoint/2010/main" val="4235292218"/>
-      </p:ext>
-    </p:extLst>
-  </p:cSld>
-  <p:clrMapOvr>
-    <a:masterClrMapping/>
-  </p:clrMapOvr>
-  <mc:AlternateContent xmlns:mc="http://schemas.openxmlformats.org/markup-compatibility/2006" xmlns:p14="http://schemas.microsoft.com/office/powerpoint/2010/main">
-    <mc:Choice Requires="p14">
-      <p:transition spd="slow" p14:dur="2000">
-        <p14:prism isContent="1"/>
-      </p:transition>
-    </mc:Choice>
-    <mc:Fallback xmlns="">
-      <p:transition spd="slow">
-        <p:fade/>
-      </p:transition>
-    </mc:Fallback>
-  </mc:AlternateContent>
-  <p:timing>
-    <p:tnLst>
-      <p:par>
-        <p:cTn id="1" dur="indefinite" restart="never" nodeType="tmRoot"/>
-      </p:par>
-    </p:tnLst>
-  </p:timing>
-</p:sld>
-</file>
-
-<file path=ppt/slides/slide33.xml><?xml version="1.0" encoding="utf-8"?>
-<p:sld xmlns:a="http://schemas.openxmlformats.org/drawingml/2006/main" xmlns:r="http://schemas.openxmlformats.org/officeDocument/2006/relationships" xmlns:p="http://schemas.openxmlformats.org/presentationml/2006/main">
-  <p:cSld>
-    <p:spTree>
-      <p:nvGrpSpPr>
-        <p:cNvPr id="1" name=""/>
-        <p:cNvGrpSpPr/>
-        <p:nvPr/>
-      </p:nvGrpSpPr>
-      <p:grpSpPr>
-        <a:xfrm>
-          <a:off x="0" y="0"/>
-          <a:ext cx="0" cy="0"/>
-          <a:chOff x="0" y="0"/>
-          <a:chExt cx="0" cy="0"/>
-        </a:xfrm>
-      </p:grpSpPr>
-      <p:sp>
-        <p:nvSpPr>
-          <p:cNvPr id="2" name="Title 1"/>
-          <p:cNvSpPr>
-            <a:spLocks noGrp="1"/>
-          </p:cNvSpPr>
-          <p:nvPr>
-            <p:ph type="title"/>
-          </p:nvPr>
-        </p:nvSpPr>
-        <p:spPr/>
-        <p:txBody>
-          <a:bodyPr/>
-          <a:lstStyle/>
-          <a:p>
-            <a:endParaRPr lang="zh-HK" altLang="en-US"/>
-          </a:p>
-        </p:txBody>
-      </p:sp>
-      <p:sp>
-        <p:nvSpPr>
-          <p:cNvPr id="3" name="Content Placeholder 2"/>
-          <p:cNvSpPr>
-            <a:spLocks noGrp="1"/>
-          </p:cNvSpPr>
-          <p:nvPr>
-            <p:ph idx="1"/>
-          </p:nvPr>
-        </p:nvSpPr>
-        <p:spPr/>
-        <p:txBody>
-          <a:bodyPr/>
-          <a:lstStyle/>
-          <a:p>
-            <a:endParaRPr lang="zh-HK" altLang="en-US"/>
-          </a:p>
-        </p:txBody>
-      </p:sp>
-      <p:pic>
-        <p:nvPicPr>
-          <p:cNvPr id="43012" name="Picture 3" descr="C:\Users\hatted\Desktop\php\images\phpmyadmin10.jpg"/>
-          <p:cNvPicPr>
-            <a:picLocks noChangeAspect="1" noChangeArrowheads="1"/>
-          </p:cNvPicPr>
-          <p:nvPr/>
-        </p:nvPicPr>
-        <p:blipFill>
-          <a:blip r:embed="rId2">
-            <a:extLst>
-              <a:ext uri="{28A0092B-C50C-407E-A947-70E740481C1C}">
-                <a14:useLocalDpi xmlns:a14="http://schemas.microsoft.com/office/drawing/2010/main" val="0"/>
-              </a:ext>
-            </a:extLst>
-          </a:blip>
-          <a:srcRect l="20354" t="14380" r="1659" b="7079"/>
-          <a:stretch>
-            <a:fillRect/>
-          </a:stretch>
-        </p:blipFill>
-        <p:spPr bwMode="auto">
-          <a:xfrm>
-            <a:off x="142875" y="77788"/>
-            <a:ext cx="8786813" cy="6637337"/>
-          </a:xfrm>
-          <a:prstGeom prst="rect">
-            <a:avLst/>
-          </a:prstGeom>
-          <a:noFill/>
-          <a:ln>
-            <a:noFill/>
-          </a:ln>
-          <a:extLst>
-            <a:ext uri="{909E8E84-426E-40DD-AFC4-6F175D3DCCD1}">
-              <a14:hiddenFill xmlns:a14="http://schemas.microsoft.com/office/drawing/2010/main">
-                <a:solidFill>
-                  <a:srgbClr val="FFFFFF"/>
-                </a:solidFill>
-              </a14:hiddenFill>
-            </a:ext>
-            <a:ext uri="{91240B29-F687-4F45-9708-019B960494DF}">
-              <a14:hiddenLine xmlns:a14="http://schemas.microsoft.com/office/drawing/2010/main" w="9525">
-                <a:solidFill>
-                  <a:srgbClr val="000000"/>
-                </a:solidFill>
-                <a:miter lim="800000"/>
-                <a:headEnd/>
-                <a:tailEnd/>
-              </a14:hiddenLine>
-            </a:ext>
-          </a:extLst>
-        </p:spPr>
-      </p:pic>
-    </p:spTree>
-    <p:extLst>
-      <p:ext uri="{BB962C8B-B14F-4D97-AF65-F5344CB8AC3E}">
-        <p14:creationId xmlns:p14="http://schemas.microsoft.com/office/powerpoint/2010/main" val="3785469138"/>
-      </p:ext>
-    </p:extLst>
-  </p:cSld>
-  <p:clrMapOvr>
-    <a:masterClrMapping/>
-  </p:clrMapOvr>
-  <mc:AlternateContent xmlns:mc="http://schemas.openxmlformats.org/markup-compatibility/2006" xmlns:p14="http://schemas.microsoft.com/office/powerpoint/2010/main">
-    <mc:Choice Requires="p14">
-      <p:transition spd="slow" p14:dur="2000">
-        <p14:prism isContent="1"/>
-      </p:transition>
-    </mc:Choice>
-    <mc:Fallback xmlns="">
-      <p:transition spd="slow">
-        <p:fade/>
-      </p:transition>
-    </mc:Fallback>
-  </mc:AlternateContent>
-  <p:timing>
-    <p:tnLst>
-      <p:par>
-        <p:cTn id="1" dur="indefinite" restart="never" nodeType="tmRoot"/>
-      </p:par>
-    </p:tnLst>
-  </p:timing>
-</p:sld>
-</file>
-
-<file path=ppt/slides/slide34.xml><?xml version="1.0" encoding="utf-8"?>
-<p:sld xmlns:a="http://schemas.openxmlformats.org/drawingml/2006/main" xmlns:r="http://schemas.openxmlformats.org/officeDocument/2006/relationships" xmlns:p="http://schemas.openxmlformats.org/presentationml/2006/main">
-  <p:cSld>
-    <p:spTree>
-      <p:nvGrpSpPr>
-        <p:cNvPr id="1" name=""/>
-        <p:cNvGrpSpPr/>
-        <p:nvPr/>
-      </p:nvGrpSpPr>
-      <p:grpSpPr>
-        <a:xfrm>
-          <a:off x="0" y="0"/>
-          <a:ext cx="0" cy="0"/>
-          <a:chOff x="0" y="0"/>
-          <a:chExt cx="0" cy="0"/>
-        </a:xfrm>
-      </p:grpSpPr>
-      <p:sp>
-        <p:nvSpPr>
-          <p:cNvPr id="2" name="Title 1"/>
-          <p:cNvSpPr>
-            <a:spLocks noGrp="1"/>
-          </p:cNvSpPr>
-          <p:nvPr>
-            <p:ph type="title"/>
-          </p:nvPr>
-        </p:nvSpPr>
-        <p:spPr/>
-        <p:txBody>
-          <a:bodyPr/>
-          <a:lstStyle/>
-          <a:p>
-            <a:endParaRPr lang="zh-HK" altLang="en-US"/>
-          </a:p>
-        </p:txBody>
-      </p:sp>
-      <p:sp>
-        <p:nvSpPr>
-          <p:cNvPr id="3" name="Content Placeholder 2"/>
-          <p:cNvSpPr>
-            <a:spLocks noGrp="1"/>
-          </p:cNvSpPr>
-          <p:nvPr>
-            <p:ph idx="1"/>
-          </p:nvPr>
-        </p:nvSpPr>
-        <p:spPr/>
-        <p:txBody>
-          <a:bodyPr/>
-          <a:lstStyle/>
-          <a:p>
-            <a:endParaRPr lang="zh-HK" altLang="en-US"/>
-          </a:p>
-        </p:txBody>
-      </p:sp>
-      <p:pic>
-        <p:nvPicPr>
-          <p:cNvPr id="44036" name="Picture 5"/>
-          <p:cNvPicPr>
-            <a:picLocks noChangeAspect="1" noChangeArrowheads="1"/>
-          </p:cNvPicPr>
-          <p:nvPr/>
-        </p:nvPicPr>
-        <p:blipFill>
-          <a:blip r:embed="rId2">
-            <a:extLst>
-              <a:ext uri="{28A0092B-C50C-407E-A947-70E740481C1C}">
-                <a14:useLocalDpi xmlns:a14="http://schemas.microsoft.com/office/drawing/2010/main" val="0"/>
-              </a:ext>
-            </a:extLst>
-          </a:blip>
-          <a:srcRect/>
-          <a:stretch>
-            <a:fillRect/>
-          </a:stretch>
-        </p:blipFill>
-        <p:spPr bwMode="auto">
-          <a:xfrm>
-            <a:off x="333375" y="428625"/>
-            <a:ext cx="8382000" cy="6381750"/>
-          </a:xfrm>
-          <a:prstGeom prst="rect">
-            <a:avLst/>
-          </a:prstGeom>
-          <a:noFill/>
-          <a:ln>
-            <a:noFill/>
-          </a:ln>
-          <a:extLst>
-            <a:ext uri="{909E8E84-426E-40DD-AFC4-6F175D3DCCD1}">
-              <a14:hiddenFill xmlns:a14="http://schemas.microsoft.com/office/drawing/2010/main">
-                <a:solidFill>
-                  <a:srgbClr val="FFFFFF"/>
-                </a:solidFill>
-              </a14:hiddenFill>
-            </a:ext>
-            <a:ext uri="{91240B29-F687-4F45-9708-019B960494DF}">
-              <a14:hiddenLine xmlns:a14="http://schemas.microsoft.com/office/drawing/2010/main" w="9525">
-                <a:solidFill>
-                  <a:srgbClr val="000000"/>
-                </a:solidFill>
-                <a:miter lim="800000"/>
-                <a:headEnd/>
-                <a:tailEnd/>
-              </a14:hiddenLine>
-            </a:ext>
-          </a:extLst>
-        </p:spPr>
-      </p:pic>
-    </p:spTree>
-    <p:extLst>
-      <p:ext uri="{BB962C8B-B14F-4D97-AF65-F5344CB8AC3E}">
-        <p14:creationId xmlns:p14="http://schemas.microsoft.com/office/powerpoint/2010/main" val="3561272355"/>
-      </p:ext>
-    </p:extLst>
-  </p:cSld>
-  <p:clrMapOvr>
-    <a:masterClrMapping/>
-  </p:clrMapOvr>
-  <mc:AlternateContent xmlns:mc="http://schemas.openxmlformats.org/markup-compatibility/2006" xmlns:p14="http://schemas.microsoft.com/office/powerpoint/2010/main">
-    <mc:Choice Requires="p14">
-      <p:transition spd="slow" p14:dur="2000">
-        <p14:prism isContent="1"/>
-      </p:transition>
-    </mc:Choice>
-    <mc:Fallback xmlns="">
-      <p:transition spd="slow">
-        <p:fade/>
-      </p:transition>
-    </mc:Fallback>
-  </mc:AlternateContent>
-  <p:timing>
-    <p:tnLst>
-      <p:par>
-        <p:cTn id="1" dur="indefinite" restart="never" nodeType="tmRoot"/>
-      </p:par>
-    </p:tnLst>
-  </p:timing>
-</p:sld>
-</file>
-
-<file path=ppt/slides/slide35.xml><?xml version="1.0" encoding="utf-8"?>
-<p:sld xmlns:a="http://schemas.openxmlformats.org/drawingml/2006/main" xmlns:r="http://schemas.openxmlformats.org/officeDocument/2006/relationships" xmlns:p="http://schemas.openxmlformats.org/presentationml/2006/main">
-  <p:cSld>
-    <p:spTree>
-      <p:nvGrpSpPr>
-        <p:cNvPr id="1" name=""/>
-        <p:cNvGrpSpPr/>
-        <p:nvPr/>
-      </p:nvGrpSpPr>
-      <p:grpSpPr>
-        <a:xfrm>
-          <a:off x="0" y="0"/>
-          <a:ext cx="0" cy="0"/>
-          <a:chOff x="0" y="0"/>
-          <a:chExt cx="0" cy="0"/>
-        </a:xfrm>
-      </p:grpSpPr>
-      <p:sp>
-        <p:nvSpPr>
           <p:cNvPr id="2" name="Title 1"/>
           <p:cNvSpPr>
             <a:spLocks noGrp="1"/>
@@ -13718,7 +13055,7 @@
 </p:sld>
 </file>
 
-<file path=ppt/slides/slide36.xml><?xml version="1.0" encoding="utf-8"?>
+<file path=ppt/slides/slide31.xml><?xml version="1.0" encoding="utf-8"?>
 <p:sld xmlns:a="http://schemas.openxmlformats.org/drawingml/2006/main" xmlns:r="http://schemas.openxmlformats.org/officeDocument/2006/relationships" xmlns:p="http://schemas.openxmlformats.org/presentationml/2006/main">
   <p:cSld>
     <p:spTree>
@@ -14603,7 +13940,7 @@
 </p:sld>
 </file>
 
-<file path=ppt/slides/slide37.xml><?xml version="1.0" encoding="utf-8"?>
+<file path=ppt/slides/slide32.xml><?xml version="1.0" encoding="utf-8"?>
 <p:sld xmlns:a="http://schemas.openxmlformats.org/drawingml/2006/main" xmlns:r="http://schemas.openxmlformats.org/officeDocument/2006/relationships" xmlns:p="http://schemas.openxmlformats.org/presentationml/2006/main">
   <p:cSld>
     <p:spTree>
@@ -14696,7 +14033,7 @@
 </p:sld>
 </file>
 
-<file path=ppt/slides/slide38.xml><?xml version="1.0" encoding="utf-8"?>
+<file path=ppt/slides/slide33.xml><?xml version="1.0" encoding="utf-8"?>
 <p:sld xmlns:a="http://schemas.openxmlformats.org/drawingml/2006/main" xmlns:r="http://schemas.openxmlformats.org/officeDocument/2006/relationships" xmlns:p="http://schemas.openxmlformats.org/presentationml/2006/main">
   <p:cSld>
     <p:spTree>
@@ -14869,7 +14206,7 @@
 </p:sld>
 </file>
 
-<file path=ppt/slides/slide39.xml><?xml version="1.0" encoding="utf-8"?>
+<file path=ppt/slides/slide34.xml><?xml version="1.0" encoding="utf-8"?>
 <p:sld xmlns:a="http://schemas.openxmlformats.org/drawingml/2006/main" xmlns:r="http://schemas.openxmlformats.org/officeDocument/2006/relationships" xmlns:p="http://schemas.openxmlformats.org/presentationml/2006/main">
   <p:cSld>
     <p:spTree>
@@ -15046,114 +14383,7 @@
 </p:sld>
 </file>
 
-<file path=ppt/slides/slide4.xml><?xml version="1.0" encoding="utf-8"?>
-<p:sld xmlns:a="http://schemas.openxmlformats.org/drawingml/2006/main" xmlns:r="http://schemas.openxmlformats.org/officeDocument/2006/relationships" xmlns:p="http://schemas.openxmlformats.org/presentationml/2006/main">
-  <p:cSld>
-    <p:spTree>
-      <p:nvGrpSpPr>
-        <p:cNvPr id="1" name=""/>
-        <p:cNvGrpSpPr/>
-        <p:nvPr/>
-      </p:nvGrpSpPr>
-      <p:grpSpPr>
-        <a:xfrm>
-          <a:off x="0" y="0"/>
-          <a:ext cx="0" cy="0"/>
-          <a:chOff x="0" y="0"/>
-          <a:chExt cx="0" cy="0"/>
-        </a:xfrm>
-      </p:grpSpPr>
-      <p:sp>
-        <p:nvSpPr>
-          <p:cNvPr id="8194" name="Title 1"/>
-          <p:cNvSpPr>
-            <a:spLocks noGrp="1"/>
-          </p:cNvSpPr>
-          <p:nvPr>
-            <p:ph type="title"/>
-          </p:nvPr>
-        </p:nvSpPr>
-        <p:spPr/>
-        <p:txBody>
-          <a:bodyPr/>
-          <a:lstStyle/>
-          <a:p>
-            <a:r>
-              <a:rPr lang="en-US" altLang="zh-TW" smtClean="0"/>
-              <a:t>How to connect to a Database</a:t>
-            </a:r>
-          </a:p>
-        </p:txBody>
-      </p:sp>
-      <p:sp>
-        <p:nvSpPr>
-          <p:cNvPr id="8195" name="Content Placeholder 2"/>
-          <p:cNvSpPr>
-            <a:spLocks noGrp="1"/>
-          </p:cNvSpPr>
-          <p:nvPr>
-            <p:ph idx="1"/>
-          </p:nvPr>
-        </p:nvSpPr>
-        <p:spPr/>
-        <p:txBody>
-          <a:bodyPr/>
-          <a:lstStyle/>
-          <a:p>
-            <a:r>
-              <a:rPr lang="en-US" altLang="zh-TW" dirty="0" smtClean="0"/>
-              <a:t>PHP has a connector to all different databases. All you need is to call a function to connect to the database</a:t>
-            </a:r>
-          </a:p>
-          <a:p>
-            <a:r>
-              <a:rPr lang="en-US" altLang="zh-TW" dirty="0" smtClean="0"/>
-              <a:t>PHP changed to use </a:t>
-            </a:r>
-            <a:r>
-              <a:rPr lang="en-US" altLang="zh-TW" dirty="0" err="1" smtClean="0"/>
-              <a:t>mysqli</a:t>
-            </a:r>
-            <a:r>
-              <a:rPr lang="en-US" altLang="zh-TW" dirty="0" smtClean="0"/>
-              <a:t> or PDO to connect to DB.</a:t>
-            </a:r>
-          </a:p>
-        </p:txBody>
-      </p:sp>
-    </p:spTree>
-    <p:extLst>
-      <p:ext uri="{BB962C8B-B14F-4D97-AF65-F5344CB8AC3E}">
-        <p14:creationId xmlns:p14="http://schemas.microsoft.com/office/powerpoint/2010/main" val="1144529721"/>
-      </p:ext>
-    </p:extLst>
-  </p:cSld>
-  <p:clrMapOvr>
-    <a:masterClrMapping/>
-  </p:clrMapOvr>
-  <mc:AlternateContent xmlns:mc="http://schemas.openxmlformats.org/markup-compatibility/2006" xmlns:p14="http://schemas.microsoft.com/office/powerpoint/2010/main">
-    <mc:Choice Requires="p14">
-      <p:transition spd="slow" p14:dur="2000">
-        <p14:prism isContent="1"/>
-      </p:transition>
-    </mc:Choice>
-    <mc:Fallback xmlns="">
-      <p:transition spd="slow">
-        <p:fade/>
-      </p:transition>
-    </mc:Fallback>
-  </mc:AlternateContent>
-  <p:timing>
-    <p:tnLst>
-      <p:par>
-        <p:cTn id="1" dur="indefinite" restart="never" nodeType="tmRoot"/>
-      </p:par>
-    </p:tnLst>
-  </p:timing>
-</p:sld>
-</file>
-
-<file path=ppt/slides/slide40.xml><?xml version="1.0" encoding="utf-8"?>
+<file path=ppt/slides/slide35.xml><?xml version="1.0" encoding="utf-8"?>
 <p:sld xmlns:a="http://schemas.openxmlformats.org/drawingml/2006/main" xmlns:r="http://schemas.openxmlformats.org/officeDocument/2006/relationships" xmlns:p="http://schemas.openxmlformats.org/presentationml/2006/main">
   <p:cSld>
     <p:spTree>
@@ -15297,7 +14527,7 @@
 </p:sld>
 </file>
 
-<file path=ppt/slides/slide41.xml><?xml version="1.0" encoding="utf-8"?>
+<file path=ppt/slides/slide36.xml><?xml version="1.0" encoding="utf-8"?>
 <p:sld xmlns:a="http://schemas.openxmlformats.org/drawingml/2006/main" xmlns:r="http://schemas.openxmlformats.org/officeDocument/2006/relationships" xmlns:p="http://schemas.openxmlformats.org/presentationml/2006/main">
   <p:cSld>
     <p:spTree>
@@ -16324,7 +15554,7 @@
 </p:sld>
 </file>
 
-<file path=ppt/slides/slide42.xml><?xml version="1.0" encoding="utf-8"?>
+<file path=ppt/slides/slide37.xml><?xml version="1.0" encoding="utf-8"?>
 <p:sld xmlns:a="http://schemas.openxmlformats.org/drawingml/2006/main" xmlns:r="http://schemas.openxmlformats.org/officeDocument/2006/relationships" xmlns:p="http://schemas.openxmlformats.org/presentationml/2006/main">
   <p:cSld>
     <p:spTree>
@@ -16425,7 +15655,7 @@
 </p:sld>
 </file>
 
-<file path=ppt/slides/slide43.xml><?xml version="1.0" encoding="utf-8"?>
+<file path=ppt/slides/slide38.xml><?xml version="1.0" encoding="utf-8"?>
 <p:sld xmlns:a="http://schemas.openxmlformats.org/drawingml/2006/main" xmlns:r="http://schemas.openxmlformats.org/officeDocument/2006/relationships" xmlns:p="http://schemas.openxmlformats.org/presentationml/2006/main">
   <p:cSld>
     <p:spTree>
@@ -16501,7 +15731,7 @@
 </p:sld>
 </file>
 
-<file path=ppt/slides/slide44.xml><?xml version="1.0" encoding="utf-8"?>
+<file path=ppt/slides/slide39.xml><?xml version="1.0" encoding="utf-8"?>
 <p:sld xmlns:a="http://schemas.openxmlformats.org/drawingml/2006/main" xmlns:r="http://schemas.openxmlformats.org/officeDocument/2006/relationships" xmlns:p="http://schemas.openxmlformats.org/presentationml/2006/main">
   <p:cSld>
     <p:spTree>
@@ -16577,7 +15807,7 @@
 </p:sld>
 </file>
 
-<file path=ppt/slides/slide45.xml><?xml version="1.0" encoding="utf-8"?>
+<file path=ppt/slides/slide4.xml><?xml version="1.0" encoding="utf-8"?>
 <p:sld xmlns:a="http://schemas.openxmlformats.org/drawingml/2006/main" xmlns:r="http://schemas.openxmlformats.org/officeDocument/2006/relationships" xmlns:p="http://schemas.openxmlformats.org/presentationml/2006/main">
   <p:cSld>
     <p:spTree>
@@ -16596,6 +15826,113 @@
       </p:grpSpPr>
       <p:sp>
         <p:nvSpPr>
+          <p:cNvPr id="8194" name="Title 1"/>
+          <p:cNvSpPr>
+            <a:spLocks noGrp="1"/>
+          </p:cNvSpPr>
+          <p:nvPr>
+            <p:ph type="title"/>
+          </p:nvPr>
+        </p:nvSpPr>
+        <p:spPr/>
+        <p:txBody>
+          <a:bodyPr/>
+          <a:lstStyle/>
+          <a:p>
+            <a:r>
+              <a:rPr lang="en-US" altLang="zh-TW" smtClean="0"/>
+              <a:t>How to connect to a Database</a:t>
+            </a:r>
+          </a:p>
+        </p:txBody>
+      </p:sp>
+      <p:sp>
+        <p:nvSpPr>
+          <p:cNvPr id="8195" name="Content Placeholder 2"/>
+          <p:cNvSpPr>
+            <a:spLocks noGrp="1"/>
+          </p:cNvSpPr>
+          <p:nvPr>
+            <p:ph idx="1"/>
+          </p:nvPr>
+        </p:nvSpPr>
+        <p:spPr/>
+        <p:txBody>
+          <a:bodyPr/>
+          <a:lstStyle/>
+          <a:p>
+            <a:r>
+              <a:rPr lang="en-US" altLang="zh-TW" dirty="0" smtClean="0"/>
+              <a:t>PHP has a connector to all different databases. All you need is to call a function to connect to the database</a:t>
+            </a:r>
+          </a:p>
+          <a:p>
+            <a:r>
+              <a:rPr lang="en-US" altLang="zh-TW" dirty="0" smtClean="0"/>
+              <a:t>PHP changed to use </a:t>
+            </a:r>
+            <a:r>
+              <a:rPr lang="en-US" altLang="zh-TW" dirty="0" err="1" smtClean="0"/>
+              <a:t>mysqli</a:t>
+            </a:r>
+            <a:r>
+              <a:rPr lang="en-US" altLang="zh-TW" dirty="0" smtClean="0"/>
+              <a:t> or PDO to connect to DB.</a:t>
+            </a:r>
+          </a:p>
+        </p:txBody>
+      </p:sp>
+    </p:spTree>
+    <p:extLst>
+      <p:ext uri="{BB962C8B-B14F-4D97-AF65-F5344CB8AC3E}">
+        <p14:creationId xmlns:p14="http://schemas.microsoft.com/office/powerpoint/2010/main" val="1144529721"/>
+      </p:ext>
+    </p:extLst>
+  </p:cSld>
+  <p:clrMapOvr>
+    <a:masterClrMapping/>
+  </p:clrMapOvr>
+  <mc:AlternateContent xmlns:mc="http://schemas.openxmlformats.org/markup-compatibility/2006" xmlns:p14="http://schemas.microsoft.com/office/powerpoint/2010/main">
+    <mc:Choice Requires="p14">
+      <p:transition spd="slow" p14:dur="2000">
+        <p14:prism isContent="1"/>
+      </p:transition>
+    </mc:Choice>
+    <mc:Fallback xmlns="">
+      <p:transition spd="slow">
+        <p:fade/>
+      </p:transition>
+    </mc:Fallback>
+  </mc:AlternateContent>
+  <p:timing>
+    <p:tnLst>
+      <p:par>
+        <p:cTn id="1" dur="indefinite" restart="never" nodeType="tmRoot"/>
+      </p:par>
+    </p:tnLst>
+  </p:timing>
+</p:sld>
+</file>
+
+<file path=ppt/slides/slide40.xml><?xml version="1.0" encoding="utf-8"?>
+<p:sld xmlns:a="http://schemas.openxmlformats.org/drawingml/2006/main" xmlns:r="http://schemas.openxmlformats.org/officeDocument/2006/relationships" xmlns:p="http://schemas.openxmlformats.org/presentationml/2006/main">
+  <p:cSld>
+    <p:spTree>
+      <p:nvGrpSpPr>
+        <p:cNvPr id="1" name=""/>
+        <p:cNvGrpSpPr/>
+        <p:nvPr/>
+      </p:nvGrpSpPr>
+      <p:grpSpPr>
+        <a:xfrm>
+          <a:off x="0" y="0"/>
+          <a:ext cx="0" cy="0"/>
+          <a:chOff x="0" y="0"/>
+          <a:chExt cx="0" cy="0"/>
+        </a:xfrm>
+      </p:grpSpPr>
+      <p:sp>
+        <p:nvSpPr>
           <p:cNvPr id="2" name="Title 1"/>
           <p:cNvSpPr>
             <a:spLocks noGrp="1"/>
@@ -16653,7 +15990,7 @@
 </p:sld>
 </file>
 
-<file path=ppt/slides/slide46.xml><?xml version="1.0" encoding="utf-8"?>
+<file path=ppt/slides/slide41.xml><?xml version="1.0" encoding="utf-8"?>
 <p:sld xmlns:a="http://schemas.openxmlformats.org/drawingml/2006/main" xmlns:r="http://schemas.openxmlformats.org/officeDocument/2006/relationships" xmlns:p="http://schemas.openxmlformats.org/presentationml/2006/main">
   <p:cSld>
     <p:spTree>
@@ -16807,11 +16144,7 @@
           <a:p>
             <a:r>
               <a:rPr lang="en-US" dirty="0" smtClean="0"/>
-              <a:t>MySQL 5.7 </a:t>
-            </a:r>
-            <a:r>
-              <a:rPr lang="en-US" dirty="0" smtClean="0"/>
-              <a:t>– 4T, free to use, cannot bundle with products</a:t>
+              <a:t>MySQL 5.7 – 4T, free to use, cannot bundle with products</a:t>
             </a:r>
           </a:p>
           <a:p>
@@ -16855,7 +16188,6 @@
               <a:rPr lang="en-US" dirty="0" smtClean="0"/>
               <a:t>MongoDB</a:t>
             </a:r>
-            <a:endParaRPr lang="en-US" dirty="0" smtClean="0"/>
           </a:p>
         </p:txBody>
       </p:sp>
@@ -17764,7 +17096,7 @@
   <a:extraClrSchemeLst/>
   <a:extLst>
     <a:ext uri="{05A4C25C-085E-4340-85A3-A5531E510DB2}">
-      <thm15:themeFamily xmlns:thm15="http://schemas.microsoft.com/office/thememl/2012/main" name="Parallax" id="{3388167B-A2EB-4685-9635-1831D9AEF8C4}" vid="{4F7A876A-7598-49CA-AFC8-8EDA2551E4A7}"/>
+      <thm15:themeFamily xmlns:thm15="http://schemas.microsoft.com/office/thememl/2012/main" xmlns="" name="Parallax" id="{3388167B-A2EB-4685-9635-1831D9AEF8C4}" vid="{4F7A876A-7598-49CA-AFC8-8EDA2551E4A7}"/>
     </a:ext>
   </a:extLst>
 </a:theme>
